--- a/R final presentation.pptx
+++ b/R final presentation.pptx
@@ -4,8 +4,11 @@
   <p:sldMasterIdLst>
     <p:sldMasterId id="2147483668" r:id="rId1"/>
   </p:sldMasterIdLst>
+  <p:notesMasterIdLst>
+    <p:notesMasterId r:id="rId23"/>
+  </p:notesMasterIdLst>
   <p:handoutMasterIdLst>
-    <p:handoutMasterId r:id="rId21"/>
+    <p:handoutMasterId r:id="rId24"/>
   </p:handoutMasterIdLst>
   <p:sldIdLst>
     <p:sldId id="334" r:id="rId2"/>
@@ -24,41 +27,51 @@
     <p:sldId id="348" r:id="rId15"/>
     <p:sldId id="356" r:id="rId16"/>
     <p:sldId id="355" r:id="rId17"/>
-    <p:sldId id="354" r:id="rId18"/>
-    <p:sldId id="345" r:id="rId19"/>
-    <p:sldId id="349" r:id="rId20"/>
+    <p:sldId id="357" r:id="rId18"/>
+    <p:sldId id="354" r:id="rId19"/>
+    <p:sldId id="345" r:id="rId20"/>
+    <p:sldId id="349" r:id="rId21"/>
+    <p:sldId id="358" r:id="rId22"/>
   </p:sldIdLst>
   <p:sldSz cx="9144000" cy="6858000" type="screen4x3"/>
   <p:notesSz cx="6858000" cy="9144000"/>
   <p:embeddedFontLst>
     <p:embeddedFont>
-      <p:font typeface="나눔바른고딕" panose="020B0603020101020101" pitchFamily="50" charset="-127"/>
-      <p:regular r:id="rId22"/>
-      <p:bold r:id="rId23"/>
-    </p:embeddedFont>
-    <p:embeddedFont>
-      <p:font typeface="맑은 고딕" panose="020B0503020000020004" pitchFamily="50" charset="-127"/>
-      <p:regular r:id="rId24"/>
-      <p:bold r:id="rId25"/>
+      <p:font typeface="HY헤드라인M" panose="02030600000101010101" pitchFamily="18" charset="-127"/>
+      <p:regular r:id="rId25"/>
     </p:embeddedFont>
     <p:embeddedFont>
       <p:font typeface="배달의민족 한나" panose="020B0600000101010101" charset="-127"/>
       <p:bold r:id="rId26"/>
     </p:embeddedFont>
     <p:embeddedFont>
-      <p:font typeface="스웨거 TTF" panose="020B0600000101010101" pitchFamily="50" charset="-127"/>
+      <p:font typeface="Arial Rounded MT Bold" panose="020F0704030504030204" pitchFamily="34" charset="0"/>
       <p:regular r:id="rId27"/>
     </p:embeddedFont>
     <p:embeddedFont>
-      <p:font typeface="Arial Rounded MT Bold" panose="020F0704030504030204" pitchFamily="34" charset="0"/>
+      <p:font typeface="Calibri" panose="020F0502020204030204" pitchFamily="34" charset="0"/>
       <p:regular r:id="rId28"/>
+      <p:bold r:id="rId29"/>
+      <p:italic r:id="rId30"/>
+      <p:boldItalic r:id="rId31"/>
     </p:embeddedFont>
     <p:embeddedFont>
-      <p:font typeface="Calibri" panose="020F0502020204030204" pitchFamily="34" charset="0"/>
-      <p:regular r:id="rId29"/>
-      <p:bold r:id="rId30"/>
-      <p:italic r:id="rId31"/>
-      <p:boldItalic r:id="rId32"/>
+      <p:font typeface="Cambria Math" panose="02040503050406030204" pitchFamily="18" charset="0"/>
+      <p:regular r:id="rId32"/>
+    </p:embeddedFont>
+    <p:embeddedFont>
+      <p:font typeface="나눔바른고딕" panose="020B0603020101020101" pitchFamily="50" charset="-127"/>
+      <p:regular r:id="rId33"/>
+      <p:bold r:id="rId34"/>
+    </p:embeddedFont>
+    <p:embeddedFont>
+      <p:font typeface="맑은 고딕" panose="020B0503020000020004" pitchFamily="50" charset="-127"/>
+      <p:regular r:id="rId35"/>
+      <p:bold r:id="rId36"/>
+    </p:embeddedFont>
+    <p:embeddedFont>
+      <p:font typeface="스웨거 TTF" panose="020B0600000101010101" pitchFamily="50" charset="-127"/>
+      <p:regular r:id="rId37"/>
     </p:embeddedFont>
   </p:embeddedFontLst>
   <p:defaultTextStyle>
@@ -5140,7 +5153,7 @@
           <a:p>
             <a:fld id="{910C0BE9-C5BC-4054-A2F4-C3E06BD0B6D0}" type="datetimeFigureOut">
               <a:rPr lang="ko-KR" altLang="en-US" smtClean="0"/>
-              <a:t>2021-06-05</a:t>
+              <a:t>2021-06-06</a:t>
             </a:fld>
             <a:endParaRPr lang="ko-KR" altLang="en-US"/>
           </a:p>
@@ -5221,6 +5234,1542 @@
   </p:cSld>
   <p:clrMap bg1="lt1" tx1="dk1" bg2="lt2" tx2="dk2" accent1="accent1" accent2="accent2" accent3="accent3" accent4="accent4" accent5="accent5" accent6="accent6" hlink="hlink" folHlink="folHlink"/>
 </p:handoutMaster>
+</file>
+
+<file path=ppt/notesMasters/notesMaster1.xml><?xml version="1.0" encoding="utf-8"?>
+<p:notesMaster xmlns:a="http://schemas.openxmlformats.org/drawingml/2006/main" xmlns:r="http://schemas.openxmlformats.org/officeDocument/2006/relationships" xmlns:p="http://schemas.openxmlformats.org/presentationml/2006/main">
+  <p:cSld>
+    <p:bg>
+      <p:bgRef idx="1001">
+        <a:schemeClr val="bg1"/>
+      </p:bgRef>
+    </p:bg>
+    <p:spTree>
+      <p:nvGrpSpPr>
+        <p:cNvPr id="1" name=""/>
+        <p:cNvGrpSpPr/>
+        <p:nvPr/>
+      </p:nvGrpSpPr>
+      <p:grpSpPr>
+        <a:xfrm>
+          <a:off x="0" y="0"/>
+          <a:ext cx="0" cy="0"/>
+          <a:chOff x="0" y="0"/>
+          <a:chExt cx="0" cy="0"/>
+        </a:xfrm>
+      </p:grpSpPr>
+      <p:sp>
+        <p:nvSpPr>
+          <p:cNvPr id="2" name="머리글 개체 틀 1"/>
+          <p:cNvSpPr>
+            <a:spLocks noGrp="1"/>
+          </p:cNvSpPr>
+          <p:nvPr>
+            <p:ph type="hdr" sz="quarter"/>
+          </p:nvPr>
+        </p:nvSpPr>
+        <p:spPr>
+          <a:xfrm>
+            <a:off x="0" y="0"/>
+            <a:ext cx="2971800" cy="458788"/>
+          </a:xfrm>
+          <a:prstGeom prst="rect">
+            <a:avLst/>
+          </a:prstGeom>
+        </p:spPr>
+        <p:txBody>
+          <a:bodyPr vert="horz" lIns="91440" tIns="45720" rIns="91440" bIns="45720" rtlCol="0"/>
+          <a:lstStyle>
+            <a:lvl1pPr algn="l">
+              <a:defRPr sz="1200"/>
+            </a:lvl1pPr>
+          </a:lstStyle>
+          <a:p>
+            <a:endParaRPr lang="ko-KR" altLang="en-US"/>
+          </a:p>
+        </p:txBody>
+      </p:sp>
+      <p:sp>
+        <p:nvSpPr>
+          <p:cNvPr id="3" name="날짜 개체 틀 2"/>
+          <p:cNvSpPr>
+            <a:spLocks noGrp="1"/>
+          </p:cNvSpPr>
+          <p:nvPr>
+            <p:ph type="dt" idx="1"/>
+          </p:nvPr>
+        </p:nvSpPr>
+        <p:spPr>
+          <a:xfrm>
+            <a:off x="3884613" y="0"/>
+            <a:ext cx="2971800" cy="458788"/>
+          </a:xfrm>
+          <a:prstGeom prst="rect">
+            <a:avLst/>
+          </a:prstGeom>
+        </p:spPr>
+        <p:txBody>
+          <a:bodyPr vert="horz" lIns="91440" tIns="45720" rIns="91440" bIns="45720" rtlCol="0"/>
+          <a:lstStyle>
+            <a:lvl1pPr algn="r">
+              <a:defRPr sz="1200"/>
+            </a:lvl1pPr>
+          </a:lstStyle>
+          <a:p>
+            <a:fld id="{4B84183F-E53E-46DB-8633-79B2049DED46}" type="datetimeFigureOut">
+              <a:rPr lang="ko-KR" altLang="en-US" smtClean="0"/>
+              <a:t>2021-06-06</a:t>
+            </a:fld>
+            <a:endParaRPr lang="ko-KR" altLang="en-US"/>
+          </a:p>
+        </p:txBody>
+      </p:sp>
+      <p:sp>
+        <p:nvSpPr>
+          <p:cNvPr id="4" name="슬라이드 이미지 개체 틀 3"/>
+          <p:cNvSpPr>
+            <a:spLocks noGrp="1" noRot="1" noChangeAspect="1"/>
+          </p:cNvSpPr>
+          <p:nvPr>
+            <p:ph type="sldImg" idx="2"/>
+          </p:nvPr>
+        </p:nvSpPr>
+        <p:spPr>
+          <a:xfrm>
+            <a:off x="1371600" y="1143000"/>
+            <a:ext cx="4114800" cy="3086100"/>
+          </a:xfrm>
+          <a:prstGeom prst="rect">
+            <a:avLst/>
+          </a:prstGeom>
+          <a:noFill/>
+          <a:ln w="12700">
+            <a:solidFill>
+              <a:prstClr val="black"/>
+            </a:solidFill>
+          </a:ln>
+        </p:spPr>
+        <p:txBody>
+          <a:bodyPr vert="horz" lIns="91440" tIns="45720" rIns="91440" bIns="45720" rtlCol="0" anchor="ctr"/>
+          <a:lstStyle/>
+          <a:p>
+            <a:endParaRPr lang="ko-KR" altLang="en-US"/>
+          </a:p>
+        </p:txBody>
+      </p:sp>
+      <p:sp>
+        <p:nvSpPr>
+          <p:cNvPr id="5" name="슬라이드 노트 개체 틀 4"/>
+          <p:cNvSpPr>
+            <a:spLocks noGrp="1"/>
+          </p:cNvSpPr>
+          <p:nvPr>
+            <p:ph type="body" sz="quarter" idx="3"/>
+          </p:nvPr>
+        </p:nvSpPr>
+        <p:spPr>
+          <a:xfrm>
+            <a:off x="685800" y="4400550"/>
+            <a:ext cx="5486400" cy="3600450"/>
+          </a:xfrm>
+          <a:prstGeom prst="rect">
+            <a:avLst/>
+          </a:prstGeom>
+        </p:spPr>
+        <p:txBody>
+          <a:bodyPr vert="horz" lIns="91440" tIns="45720" rIns="91440" bIns="45720" rtlCol="0"/>
+          <a:lstStyle/>
+          <a:p>
+            <a:pPr lvl="0"/>
+            <a:r>
+              <a:rPr lang="ko-KR" altLang="en-US"/>
+              <a:t>마스터 텍스트 스타일 편집</a:t>
+            </a:r>
+          </a:p>
+          <a:p>
+            <a:pPr lvl="1"/>
+            <a:r>
+              <a:rPr lang="ko-KR" altLang="en-US"/>
+              <a:t>둘째 수준</a:t>
+            </a:r>
+          </a:p>
+          <a:p>
+            <a:pPr lvl="2"/>
+            <a:r>
+              <a:rPr lang="ko-KR" altLang="en-US"/>
+              <a:t>셋째 수준</a:t>
+            </a:r>
+          </a:p>
+          <a:p>
+            <a:pPr lvl="3"/>
+            <a:r>
+              <a:rPr lang="ko-KR" altLang="en-US"/>
+              <a:t>넷째 수준</a:t>
+            </a:r>
+          </a:p>
+          <a:p>
+            <a:pPr lvl="4"/>
+            <a:r>
+              <a:rPr lang="ko-KR" altLang="en-US"/>
+              <a:t>다섯째 수준</a:t>
+            </a:r>
+          </a:p>
+        </p:txBody>
+      </p:sp>
+      <p:sp>
+        <p:nvSpPr>
+          <p:cNvPr id="6" name="바닥글 개체 틀 5"/>
+          <p:cNvSpPr>
+            <a:spLocks noGrp="1"/>
+          </p:cNvSpPr>
+          <p:nvPr>
+            <p:ph type="ftr" sz="quarter" idx="4"/>
+          </p:nvPr>
+        </p:nvSpPr>
+        <p:spPr>
+          <a:xfrm>
+            <a:off x="0" y="8685213"/>
+            <a:ext cx="2971800" cy="458787"/>
+          </a:xfrm>
+          <a:prstGeom prst="rect">
+            <a:avLst/>
+          </a:prstGeom>
+        </p:spPr>
+        <p:txBody>
+          <a:bodyPr vert="horz" lIns="91440" tIns="45720" rIns="91440" bIns="45720" rtlCol="0" anchor="b"/>
+          <a:lstStyle>
+            <a:lvl1pPr algn="l">
+              <a:defRPr sz="1200"/>
+            </a:lvl1pPr>
+          </a:lstStyle>
+          <a:p>
+            <a:endParaRPr lang="ko-KR" altLang="en-US"/>
+          </a:p>
+        </p:txBody>
+      </p:sp>
+      <p:sp>
+        <p:nvSpPr>
+          <p:cNvPr id="7" name="슬라이드 번호 개체 틀 6"/>
+          <p:cNvSpPr>
+            <a:spLocks noGrp="1"/>
+          </p:cNvSpPr>
+          <p:nvPr>
+            <p:ph type="sldNum" sz="quarter" idx="5"/>
+          </p:nvPr>
+        </p:nvSpPr>
+        <p:spPr>
+          <a:xfrm>
+            <a:off x="3884613" y="8685213"/>
+            <a:ext cx="2971800" cy="458787"/>
+          </a:xfrm>
+          <a:prstGeom prst="rect">
+            <a:avLst/>
+          </a:prstGeom>
+        </p:spPr>
+        <p:txBody>
+          <a:bodyPr vert="horz" lIns="91440" tIns="45720" rIns="91440" bIns="45720" rtlCol="0" anchor="b"/>
+          <a:lstStyle>
+            <a:lvl1pPr algn="r">
+              <a:defRPr sz="1200"/>
+            </a:lvl1pPr>
+          </a:lstStyle>
+          <a:p>
+            <a:fld id="{F0BAB27F-779C-4456-AD6A-D5A4D3F5F5BB}" type="slidenum">
+              <a:rPr lang="ko-KR" altLang="en-US" smtClean="0"/>
+              <a:t>‹#›</a:t>
+            </a:fld>
+            <a:endParaRPr lang="ko-KR" altLang="en-US"/>
+          </a:p>
+        </p:txBody>
+      </p:sp>
+    </p:spTree>
+    <p:extLst>
+      <p:ext uri="{BB962C8B-B14F-4D97-AF65-F5344CB8AC3E}">
+        <p14:creationId xmlns:p14="http://schemas.microsoft.com/office/powerpoint/2010/main" val="3357851652"/>
+      </p:ext>
+    </p:extLst>
+  </p:cSld>
+  <p:clrMap bg1="lt1" tx1="dk1" bg2="lt2" tx2="dk2" accent1="accent1" accent2="accent2" accent3="accent3" accent4="accent4" accent5="accent5" accent6="accent6" hlink="hlink" folHlink="folHlink"/>
+  <p:notesStyle>
+    <a:lvl1pPr marL="0" algn="l" defTabSz="914400" rtl="0" eaLnBrk="1" latinLnBrk="1" hangingPunct="1">
+      <a:defRPr sz="1200" kern="1200">
+        <a:solidFill>
+          <a:schemeClr val="tx1"/>
+        </a:solidFill>
+        <a:latin typeface="+mn-lt"/>
+        <a:ea typeface="+mn-ea"/>
+        <a:cs typeface="+mn-cs"/>
+      </a:defRPr>
+    </a:lvl1pPr>
+    <a:lvl2pPr marL="457200" algn="l" defTabSz="914400" rtl="0" eaLnBrk="1" latinLnBrk="1" hangingPunct="1">
+      <a:defRPr sz="1200" kern="1200">
+        <a:solidFill>
+          <a:schemeClr val="tx1"/>
+        </a:solidFill>
+        <a:latin typeface="+mn-lt"/>
+        <a:ea typeface="+mn-ea"/>
+        <a:cs typeface="+mn-cs"/>
+      </a:defRPr>
+    </a:lvl2pPr>
+    <a:lvl3pPr marL="914400" algn="l" defTabSz="914400" rtl="0" eaLnBrk="1" latinLnBrk="1" hangingPunct="1">
+      <a:defRPr sz="1200" kern="1200">
+        <a:solidFill>
+          <a:schemeClr val="tx1"/>
+        </a:solidFill>
+        <a:latin typeface="+mn-lt"/>
+        <a:ea typeface="+mn-ea"/>
+        <a:cs typeface="+mn-cs"/>
+      </a:defRPr>
+    </a:lvl3pPr>
+    <a:lvl4pPr marL="1371600" algn="l" defTabSz="914400" rtl="0" eaLnBrk="1" latinLnBrk="1" hangingPunct="1">
+      <a:defRPr sz="1200" kern="1200">
+        <a:solidFill>
+          <a:schemeClr val="tx1"/>
+        </a:solidFill>
+        <a:latin typeface="+mn-lt"/>
+        <a:ea typeface="+mn-ea"/>
+        <a:cs typeface="+mn-cs"/>
+      </a:defRPr>
+    </a:lvl4pPr>
+    <a:lvl5pPr marL="1828800" algn="l" defTabSz="914400" rtl="0" eaLnBrk="1" latinLnBrk="1" hangingPunct="1">
+      <a:defRPr sz="1200" kern="1200">
+        <a:solidFill>
+          <a:schemeClr val="tx1"/>
+        </a:solidFill>
+        <a:latin typeface="+mn-lt"/>
+        <a:ea typeface="+mn-ea"/>
+        <a:cs typeface="+mn-cs"/>
+      </a:defRPr>
+    </a:lvl5pPr>
+    <a:lvl6pPr marL="2286000" algn="l" defTabSz="914400" rtl="0" eaLnBrk="1" latinLnBrk="1" hangingPunct="1">
+      <a:defRPr sz="1200" kern="1200">
+        <a:solidFill>
+          <a:schemeClr val="tx1"/>
+        </a:solidFill>
+        <a:latin typeface="+mn-lt"/>
+        <a:ea typeface="+mn-ea"/>
+        <a:cs typeface="+mn-cs"/>
+      </a:defRPr>
+    </a:lvl6pPr>
+    <a:lvl7pPr marL="2743200" algn="l" defTabSz="914400" rtl="0" eaLnBrk="1" latinLnBrk="1" hangingPunct="1">
+      <a:defRPr sz="1200" kern="1200">
+        <a:solidFill>
+          <a:schemeClr val="tx1"/>
+        </a:solidFill>
+        <a:latin typeface="+mn-lt"/>
+        <a:ea typeface="+mn-ea"/>
+        <a:cs typeface="+mn-cs"/>
+      </a:defRPr>
+    </a:lvl7pPr>
+    <a:lvl8pPr marL="3200400" algn="l" defTabSz="914400" rtl="0" eaLnBrk="1" latinLnBrk="1" hangingPunct="1">
+      <a:defRPr sz="1200" kern="1200">
+        <a:solidFill>
+          <a:schemeClr val="tx1"/>
+        </a:solidFill>
+        <a:latin typeface="+mn-lt"/>
+        <a:ea typeface="+mn-ea"/>
+        <a:cs typeface="+mn-cs"/>
+      </a:defRPr>
+    </a:lvl8pPr>
+    <a:lvl9pPr marL="3657600" algn="l" defTabSz="914400" rtl="0" eaLnBrk="1" latinLnBrk="1" hangingPunct="1">
+      <a:defRPr sz="1200" kern="1200">
+        <a:solidFill>
+          <a:schemeClr val="tx1"/>
+        </a:solidFill>
+        <a:latin typeface="+mn-lt"/>
+        <a:ea typeface="+mn-ea"/>
+        <a:cs typeface="+mn-cs"/>
+      </a:defRPr>
+    </a:lvl9pPr>
+  </p:notesStyle>
+</p:notesMaster>
+</file>
+
+<file path=ppt/notesSlides/notesSlide1.xml><?xml version="1.0" encoding="utf-8"?>
+<p:notes xmlns:a="http://schemas.openxmlformats.org/drawingml/2006/main" xmlns:r="http://schemas.openxmlformats.org/officeDocument/2006/relationships" xmlns:p="http://schemas.openxmlformats.org/presentationml/2006/main">
+  <p:cSld>
+    <p:spTree>
+      <p:nvGrpSpPr>
+        <p:cNvPr id="1" name=""/>
+        <p:cNvGrpSpPr/>
+        <p:nvPr/>
+      </p:nvGrpSpPr>
+      <p:grpSpPr>
+        <a:xfrm>
+          <a:off x="0" y="0"/>
+          <a:ext cx="0" cy="0"/>
+          <a:chOff x="0" y="0"/>
+          <a:chExt cx="0" cy="0"/>
+        </a:xfrm>
+      </p:grpSpPr>
+      <p:sp>
+        <p:nvSpPr>
+          <p:cNvPr id="2" name="슬라이드 이미지 개체 틀 1"/>
+          <p:cNvSpPr>
+            <a:spLocks noGrp="1" noRot="1" noChangeAspect="1"/>
+          </p:cNvSpPr>
+          <p:nvPr>
+            <p:ph type="sldImg"/>
+          </p:nvPr>
+        </p:nvSpPr>
+        <p:spPr/>
+      </p:sp>
+      <p:sp>
+        <p:nvSpPr>
+          <p:cNvPr id="3" name="슬라이드 노트 개체 틀 2"/>
+          <p:cNvSpPr>
+            <a:spLocks noGrp="1"/>
+          </p:cNvSpPr>
+          <p:nvPr>
+            <p:ph type="body" idx="1"/>
+          </p:nvPr>
+        </p:nvSpPr>
+        <p:spPr/>
+        <p:txBody>
+          <a:bodyPr/>
+          <a:lstStyle/>
+          <a:p>
+            <a:r>
+              <a:rPr lang="ko-KR" altLang="en-US" dirty="0"/>
+              <a:t>처음으로</a:t>
+            </a:r>
+            <a:r>
+              <a:rPr lang="en-US" altLang="ko-KR" dirty="0"/>
+              <a:t>, </a:t>
+            </a:r>
+            <a:r>
+              <a:rPr lang="ko-KR" altLang="en-US" dirty="0"/>
+              <a:t>분석한 </a:t>
+            </a:r>
+            <a:r>
+              <a:rPr lang="en-US" altLang="ko-KR" dirty="0"/>
+              <a:t>budget-</a:t>
+            </a:r>
+            <a:r>
+              <a:rPr lang="ko-KR" altLang="en-US" dirty="0"/>
+              <a:t>와 </a:t>
+            </a:r>
+            <a:r>
+              <a:rPr lang="en-US" altLang="ko-KR" dirty="0"/>
+              <a:t>revenue</a:t>
+            </a:r>
+            <a:r>
+              <a:rPr lang="ko-KR" altLang="en-US" dirty="0"/>
+              <a:t>는 큰 관계가 없는 것 처럼 보였습니다</a:t>
+            </a:r>
+            <a:r>
+              <a:rPr lang="en-US" altLang="ko-KR" dirty="0"/>
+              <a:t>. </a:t>
+            </a:r>
+            <a:r>
+              <a:rPr lang="ko-KR" altLang="en-US" dirty="0"/>
+              <a:t>많은 영화들은 손익분기점을 넘겼으며</a:t>
+            </a:r>
+            <a:r>
+              <a:rPr lang="en-US" altLang="ko-KR" dirty="0"/>
+              <a:t>, </a:t>
+            </a:r>
+            <a:r>
+              <a:rPr lang="ko-KR" altLang="en-US" dirty="0"/>
+              <a:t>이 손익분기점을 넘긴 영화 사이에서는 큰 관계를 찾지 못했습니다</a:t>
+            </a:r>
+            <a:r>
+              <a:rPr lang="en-US" altLang="ko-KR" dirty="0"/>
+              <a:t>.</a:t>
+            </a:r>
+            <a:endParaRPr lang="ko-KR" altLang="en-US" dirty="0"/>
+          </a:p>
+        </p:txBody>
+      </p:sp>
+      <p:sp>
+        <p:nvSpPr>
+          <p:cNvPr id="4" name="슬라이드 번호 개체 틀 3"/>
+          <p:cNvSpPr>
+            <a:spLocks noGrp="1"/>
+          </p:cNvSpPr>
+          <p:nvPr>
+            <p:ph type="sldNum" sz="quarter" idx="5"/>
+          </p:nvPr>
+        </p:nvSpPr>
+        <p:spPr/>
+        <p:txBody>
+          <a:bodyPr/>
+          <a:lstStyle/>
+          <a:p>
+            <a:fld id="{F0BAB27F-779C-4456-AD6A-D5A4D3F5F5BB}" type="slidenum">
+              <a:rPr lang="ko-KR" altLang="en-US" smtClean="0"/>
+              <a:t>14</a:t>
+            </a:fld>
+            <a:endParaRPr lang="ko-KR" altLang="en-US"/>
+          </a:p>
+        </p:txBody>
+      </p:sp>
+    </p:spTree>
+    <p:extLst>
+      <p:ext uri="{BB962C8B-B14F-4D97-AF65-F5344CB8AC3E}">
+        <p14:creationId xmlns:p14="http://schemas.microsoft.com/office/powerpoint/2010/main" val="2049792099"/>
+      </p:ext>
+    </p:extLst>
+  </p:cSld>
+  <p:clrMapOvr>
+    <a:masterClrMapping/>
+  </p:clrMapOvr>
+</p:notes>
+</file>
+
+<file path=ppt/notesSlides/notesSlide2.xml><?xml version="1.0" encoding="utf-8"?>
+<p:notes xmlns:a="http://schemas.openxmlformats.org/drawingml/2006/main" xmlns:r="http://schemas.openxmlformats.org/officeDocument/2006/relationships" xmlns:p="http://schemas.openxmlformats.org/presentationml/2006/main">
+  <p:cSld>
+    <p:spTree>
+      <p:nvGrpSpPr>
+        <p:cNvPr id="1" name=""/>
+        <p:cNvGrpSpPr/>
+        <p:nvPr/>
+      </p:nvGrpSpPr>
+      <p:grpSpPr>
+        <a:xfrm>
+          <a:off x="0" y="0"/>
+          <a:ext cx="0" cy="0"/>
+          <a:chOff x="0" y="0"/>
+          <a:chExt cx="0" cy="0"/>
+        </a:xfrm>
+      </p:grpSpPr>
+      <p:sp>
+        <p:nvSpPr>
+          <p:cNvPr id="2" name="슬라이드 이미지 개체 틀 1"/>
+          <p:cNvSpPr>
+            <a:spLocks noGrp="1" noRot="1" noChangeAspect="1"/>
+          </p:cNvSpPr>
+          <p:nvPr>
+            <p:ph type="sldImg"/>
+          </p:nvPr>
+        </p:nvSpPr>
+        <p:spPr/>
+      </p:sp>
+      <p:sp>
+        <p:nvSpPr>
+          <p:cNvPr id="3" name="슬라이드 노트 개체 틀 2"/>
+          <p:cNvSpPr>
+            <a:spLocks noGrp="1"/>
+          </p:cNvSpPr>
+          <p:nvPr>
+            <p:ph type="body" idx="1"/>
+          </p:nvPr>
+        </p:nvSpPr>
+        <p:spPr/>
+        <p:txBody>
+          <a:bodyPr/>
+          <a:lstStyle/>
+          <a:p>
+            <a:r>
+              <a:rPr lang="ko-KR" altLang="en-US" dirty="0"/>
+              <a:t>위 슬라이드에서 볼 수 없었던 내용을 더 분석해보기 위해 </a:t>
+            </a:r>
+            <a:r>
+              <a:rPr lang="en-US" altLang="ko-KR" dirty="0"/>
+              <a:t>earning ratio</a:t>
+            </a:r>
+            <a:r>
+              <a:rPr lang="ko-KR" altLang="en-US" dirty="0"/>
+              <a:t>와 </a:t>
+            </a:r>
+            <a:r>
+              <a:rPr lang="en-US" altLang="ko-KR" dirty="0"/>
+              <a:t>budget</a:t>
+            </a:r>
+            <a:r>
+              <a:rPr lang="ko-KR" altLang="en-US" dirty="0"/>
+              <a:t>간의 관계를 히스토그램으로 나타내 보았습니다</a:t>
+            </a:r>
+            <a:r>
+              <a:rPr lang="en-US" altLang="ko-KR" dirty="0"/>
+              <a:t>.</a:t>
+            </a:r>
+          </a:p>
+          <a:p>
+            <a:endParaRPr lang="en-US" altLang="ko-KR" dirty="0"/>
+          </a:p>
+          <a:p>
+            <a:r>
+              <a:rPr lang="ko-KR" altLang="en-US" dirty="0"/>
+              <a:t>위의 히스토그램에서 볼 수 있듯</a:t>
+            </a:r>
+            <a:r>
+              <a:rPr lang="en-US" altLang="ko-KR" dirty="0"/>
+              <a:t>, </a:t>
+            </a:r>
+            <a:r>
+              <a:rPr lang="ko-KR" altLang="en-US" dirty="0"/>
+              <a:t>저 예산 영화는 </a:t>
+            </a:r>
+            <a:r>
+              <a:rPr lang="en-US" altLang="ko-KR" dirty="0"/>
+              <a:t>earning rate </a:t>
+            </a:r>
+            <a:r>
+              <a:rPr lang="ko-KR" altLang="en-US" dirty="0"/>
+              <a:t>가 높다는 것을 알 수 있습니다</a:t>
+            </a:r>
+            <a:r>
+              <a:rPr lang="en-US" altLang="ko-KR" dirty="0"/>
+              <a:t>.</a:t>
+            </a:r>
+          </a:p>
+          <a:p>
+            <a:endParaRPr lang="en-US" altLang="ko-KR" dirty="0"/>
+          </a:p>
+          <a:p>
+            <a:r>
+              <a:rPr lang="ko-KR" altLang="en-US" dirty="0"/>
+              <a:t>이는 다음과 같은 이유로 설명할 수 있습니다</a:t>
+            </a:r>
+            <a:r>
+              <a:rPr lang="en-US" altLang="ko-KR" dirty="0"/>
+              <a:t>.</a:t>
+            </a:r>
+          </a:p>
+          <a:p>
+            <a:endParaRPr lang="en-US" altLang="ko-KR" dirty="0"/>
+          </a:p>
+          <a:p>
+            <a:r>
+              <a:rPr lang="ko-KR" altLang="en-US" dirty="0"/>
+              <a:t>첫 번째로</a:t>
+            </a:r>
+            <a:r>
+              <a:rPr lang="en-US" altLang="ko-KR" dirty="0"/>
+              <a:t>, </a:t>
+            </a:r>
+            <a:r>
+              <a:rPr lang="ko-KR" altLang="en-US" dirty="0"/>
+              <a:t>저 예산 영화는 무형의 가치가 계산되지 않았습니다</a:t>
+            </a:r>
+            <a:r>
+              <a:rPr lang="en-US" altLang="ko-KR" dirty="0"/>
+              <a:t>. </a:t>
+            </a:r>
+            <a:r>
+              <a:rPr lang="ko-KR" altLang="en-US" dirty="0"/>
+              <a:t>이를테면 영화의 아이디어와 같은 것은 저 예산 영화에서 더 큰 비중을 차지할 것이라고 쉽게 생각할 수 있습니다</a:t>
+            </a:r>
+            <a:r>
+              <a:rPr lang="en-US" altLang="ko-KR" dirty="0"/>
+              <a:t>. </a:t>
+            </a:r>
+            <a:r>
+              <a:rPr lang="ko-KR" altLang="en-US" dirty="0"/>
+              <a:t>이 부분이 제외된다면 </a:t>
+            </a:r>
+            <a:r>
+              <a:rPr lang="en-US" altLang="ko-KR" dirty="0"/>
+              <a:t>budget</a:t>
+            </a:r>
+            <a:r>
+              <a:rPr lang="ko-KR" altLang="en-US" dirty="0"/>
+              <a:t>가 더 적을 것입니다</a:t>
+            </a:r>
+            <a:r>
+              <a:rPr lang="en-US" altLang="ko-KR" dirty="0"/>
+              <a:t>.</a:t>
+            </a:r>
+          </a:p>
+          <a:p>
+            <a:endParaRPr lang="en-US" altLang="ko-KR" dirty="0"/>
+          </a:p>
+          <a:p>
+            <a:r>
+              <a:rPr lang="ko-KR" altLang="en-US" dirty="0"/>
+              <a:t>두 번째로</a:t>
+            </a:r>
+            <a:r>
+              <a:rPr lang="en-US" altLang="ko-KR" dirty="0"/>
+              <a:t>, </a:t>
+            </a:r>
+            <a:r>
+              <a:rPr lang="ko-KR" altLang="en-US" dirty="0"/>
+              <a:t>영화 산업에는 한계가 있습니다</a:t>
+            </a:r>
+            <a:r>
+              <a:rPr lang="en-US" altLang="ko-KR" dirty="0"/>
+              <a:t>. </a:t>
+            </a:r>
+            <a:r>
+              <a:rPr lang="ko-KR" altLang="en-US" dirty="0"/>
+              <a:t>아무리 재미있는 영화라도</a:t>
+            </a:r>
+            <a:r>
+              <a:rPr lang="en-US" altLang="ko-KR" dirty="0"/>
+              <a:t>, </a:t>
+            </a:r>
+            <a:r>
+              <a:rPr lang="ko-KR" altLang="en-US" dirty="0"/>
+              <a:t>재미에 비례하여 영화를 보는 숫자가 늘어나지 않습니다</a:t>
+            </a:r>
+            <a:r>
+              <a:rPr lang="en-US" altLang="ko-KR" dirty="0"/>
+              <a:t>. </a:t>
+            </a:r>
+            <a:r>
+              <a:rPr lang="ko-KR" altLang="en-US" dirty="0"/>
+              <a:t>고로</a:t>
+            </a:r>
+            <a:r>
+              <a:rPr lang="en-US" altLang="ko-KR" dirty="0"/>
+              <a:t>, “</a:t>
+            </a:r>
+            <a:r>
+              <a:rPr lang="ko-KR" altLang="en-US" dirty="0"/>
+              <a:t>어느 정도의 재미가 있는</a:t>
+            </a:r>
+            <a:r>
+              <a:rPr lang="en-US" altLang="ko-KR" dirty="0"/>
+              <a:t>” </a:t>
+            </a:r>
+            <a:r>
+              <a:rPr lang="ko-KR" altLang="en-US" dirty="0"/>
+              <a:t>수준에서는 수익률이 크게 늘어나나</a:t>
+            </a:r>
+            <a:r>
+              <a:rPr lang="en-US" altLang="ko-KR" dirty="0"/>
+              <a:t>, “</a:t>
+            </a:r>
+            <a:r>
+              <a:rPr lang="ko-KR" altLang="en-US" dirty="0"/>
+              <a:t>매우 재미있는 수준</a:t>
+            </a:r>
+            <a:r>
+              <a:rPr lang="en-US" altLang="ko-KR" dirty="0"/>
+              <a:t>” </a:t>
+            </a:r>
+            <a:r>
+              <a:rPr lang="ko-KR" altLang="en-US" dirty="0"/>
+              <a:t>에서는 수익률이 크게 증가하지 않을 것입니다</a:t>
+            </a:r>
+            <a:r>
+              <a:rPr lang="en-US" altLang="ko-KR" dirty="0"/>
+              <a:t>.</a:t>
+            </a:r>
+            <a:r>
+              <a:rPr lang="ko-KR" altLang="en-US" dirty="0"/>
+              <a:t> </a:t>
+            </a:r>
+            <a:r>
+              <a:rPr lang="en-US" altLang="ko-KR" dirty="0"/>
+              <a:t> </a:t>
+            </a:r>
+            <a:endParaRPr lang="ko-KR" altLang="en-US" dirty="0"/>
+          </a:p>
+        </p:txBody>
+      </p:sp>
+      <p:sp>
+        <p:nvSpPr>
+          <p:cNvPr id="4" name="슬라이드 번호 개체 틀 3"/>
+          <p:cNvSpPr>
+            <a:spLocks noGrp="1"/>
+          </p:cNvSpPr>
+          <p:nvPr>
+            <p:ph type="sldNum" sz="quarter" idx="5"/>
+          </p:nvPr>
+        </p:nvSpPr>
+        <p:spPr/>
+        <p:txBody>
+          <a:bodyPr/>
+          <a:lstStyle/>
+          <a:p>
+            <a:fld id="{F0BAB27F-779C-4456-AD6A-D5A4D3F5F5BB}" type="slidenum">
+              <a:rPr lang="ko-KR" altLang="en-US" smtClean="0"/>
+              <a:t>15</a:t>
+            </a:fld>
+            <a:endParaRPr lang="ko-KR" altLang="en-US"/>
+          </a:p>
+        </p:txBody>
+      </p:sp>
+    </p:spTree>
+    <p:extLst>
+      <p:ext uri="{BB962C8B-B14F-4D97-AF65-F5344CB8AC3E}">
+        <p14:creationId xmlns:p14="http://schemas.microsoft.com/office/powerpoint/2010/main" val="2657481466"/>
+      </p:ext>
+    </p:extLst>
+  </p:cSld>
+  <p:clrMapOvr>
+    <a:masterClrMapping/>
+  </p:clrMapOvr>
+</p:notes>
+</file>
+
+<file path=ppt/notesSlides/notesSlide3.xml><?xml version="1.0" encoding="utf-8"?>
+<p:notes xmlns:a="http://schemas.openxmlformats.org/drawingml/2006/main" xmlns:r="http://schemas.openxmlformats.org/officeDocument/2006/relationships" xmlns:p="http://schemas.openxmlformats.org/presentationml/2006/main">
+  <p:cSld>
+    <p:spTree>
+      <p:nvGrpSpPr>
+        <p:cNvPr id="1" name=""/>
+        <p:cNvGrpSpPr/>
+        <p:nvPr/>
+      </p:nvGrpSpPr>
+      <p:grpSpPr>
+        <a:xfrm>
+          <a:off x="0" y="0"/>
+          <a:ext cx="0" cy="0"/>
+          <a:chOff x="0" y="0"/>
+          <a:chExt cx="0" cy="0"/>
+        </a:xfrm>
+      </p:grpSpPr>
+      <p:sp>
+        <p:nvSpPr>
+          <p:cNvPr id="2" name="슬라이드 이미지 개체 틀 1"/>
+          <p:cNvSpPr>
+            <a:spLocks noGrp="1" noRot="1" noChangeAspect="1"/>
+          </p:cNvSpPr>
+          <p:nvPr>
+            <p:ph type="sldImg"/>
+          </p:nvPr>
+        </p:nvSpPr>
+        <p:spPr/>
+      </p:sp>
+      <p:sp>
+        <p:nvSpPr>
+          <p:cNvPr id="3" name="슬라이드 노트 개체 틀 2"/>
+          <p:cNvSpPr>
+            <a:spLocks noGrp="1"/>
+          </p:cNvSpPr>
+          <p:nvPr>
+            <p:ph type="body" idx="1"/>
+          </p:nvPr>
+        </p:nvSpPr>
+        <p:spPr/>
+        <p:txBody>
+          <a:bodyPr/>
+          <a:lstStyle/>
+          <a:p>
+            <a:r>
+              <a:rPr lang="ko-KR" altLang="en-US" dirty="0"/>
+              <a:t>전체 </a:t>
+            </a:r>
+            <a:r>
+              <a:rPr lang="ko-KR" altLang="en-US" dirty="0" err="1"/>
+              <a:t>기간동안의</a:t>
+            </a:r>
+            <a:r>
+              <a:rPr lang="ko-KR" altLang="en-US" dirty="0"/>
+              <a:t> 영화를 확인해본다면</a:t>
+            </a:r>
+            <a:r>
+              <a:rPr lang="en-US" altLang="ko-KR" dirty="0"/>
+              <a:t>, family </a:t>
+            </a:r>
+            <a:r>
+              <a:rPr lang="ko-KR" altLang="en-US" dirty="0"/>
+              <a:t>와 </a:t>
+            </a:r>
+            <a:r>
+              <a:rPr lang="en-US" altLang="ko-KR" dirty="0"/>
+              <a:t>comedy </a:t>
+            </a:r>
+            <a:r>
+              <a:rPr lang="ko-KR" altLang="en-US" dirty="0"/>
+              <a:t>영화가 수익률이 가장 높았습니다</a:t>
+            </a:r>
+            <a:r>
+              <a:rPr lang="en-US" altLang="ko-KR" dirty="0"/>
+              <a:t>.</a:t>
+            </a:r>
+          </a:p>
+          <a:p>
+            <a:endParaRPr lang="en-US" altLang="ko-KR" dirty="0"/>
+          </a:p>
+          <a:p>
+            <a:r>
+              <a:rPr lang="ko-KR" altLang="en-US" dirty="0"/>
+              <a:t>그러나</a:t>
+            </a:r>
+            <a:r>
+              <a:rPr lang="en-US" altLang="ko-KR" dirty="0"/>
+              <a:t>, </a:t>
+            </a:r>
+            <a:r>
+              <a:rPr lang="ko-KR" altLang="en-US" dirty="0"/>
+              <a:t>이 결과는 과거의 </a:t>
+            </a:r>
+            <a:r>
+              <a:rPr lang="en-US" altLang="ko-KR" dirty="0"/>
+              <a:t>data</a:t>
+            </a:r>
+            <a:r>
+              <a:rPr lang="ko-KR" altLang="en-US" dirty="0"/>
+              <a:t>를 충분히 대변하지 못하고</a:t>
+            </a:r>
+            <a:r>
+              <a:rPr lang="en-US" altLang="ko-KR" dirty="0"/>
+              <a:t>, </a:t>
+            </a:r>
+            <a:r>
+              <a:rPr lang="ko-KR" altLang="en-US" dirty="0"/>
+              <a:t>실제로 이러한 장르의 경향이 계속 유지되는지 확인하기가 어렵습니다</a:t>
+            </a:r>
+            <a:r>
+              <a:rPr lang="en-US" altLang="ko-KR" dirty="0"/>
+              <a:t>.</a:t>
+            </a:r>
+          </a:p>
+          <a:p>
+            <a:endParaRPr lang="en-US" altLang="ko-KR" dirty="0"/>
+          </a:p>
+          <a:p>
+            <a:r>
+              <a:rPr lang="ko-KR" altLang="en-US" dirty="0"/>
+              <a:t>과거 영화산업은 지금과 같이 팽창하지 않았었고 이에 따라 </a:t>
+            </a:r>
+            <a:r>
+              <a:rPr lang="en-US" altLang="ko-KR" dirty="0"/>
+              <a:t>earning rate</a:t>
+            </a:r>
+            <a:r>
+              <a:rPr lang="ko-KR" altLang="en-US" dirty="0"/>
+              <a:t>가 극대화되지 않았을 가능성이 있기 때문입니다</a:t>
+            </a:r>
+            <a:r>
+              <a:rPr lang="en-US" altLang="ko-KR" dirty="0"/>
+              <a:t>.</a:t>
+            </a:r>
+          </a:p>
+          <a:p>
+            <a:endParaRPr lang="en-US" altLang="ko-KR" dirty="0"/>
+          </a:p>
+          <a:p>
+            <a:r>
+              <a:rPr lang="ko-KR" altLang="en-US" dirty="0"/>
+              <a:t>따라서</a:t>
+            </a:r>
+            <a:r>
+              <a:rPr lang="en-US" altLang="ko-KR" dirty="0"/>
+              <a:t>, </a:t>
+            </a:r>
+            <a:r>
+              <a:rPr lang="ko-KR" altLang="en-US" dirty="0"/>
+              <a:t>저희는 다른 시대의 영화에 대해서도 분석해보았습니다</a:t>
+            </a:r>
+            <a:r>
+              <a:rPr lang="en-US" altLang="ko-KR" dirty="0"/>
+              <a:t>.</a:t>
+            </a:r>
+            <a:endParaRPr lang="ko-KR" altLang="en-US" dirty="0"/>
+          </a:p>
+        </p:txBody>
+      </p:sp>
+      <p:sp>
+        <p:nvSpPr>
+          <p:cNvPr id="4" name="슬라이드 번호 개체 틀 3"/>
+          <p:cNvSpPr>
+            <a:spLocks noGrp="1"/>
+          </p:cNvSpPr>
+          <p:nvPr>
+            <p:ph type="sldNum" sz="quarter" idx="5"/>
+          </p:nvPr>
+        </p:nvSpPr>
+        <p:spPr/>
+        <p:txBody>
+          <a:bodyPr/>
+          <a:lstStyle/>
+          <a:p>
+            <a:fld id="{F0BAB27F-779C-4456-AD6A-D5A4D3F5F5BB}" type="slidenum">
+              <a:rPr lang="ko-KR" altLang="en-US" smtClean="0"/>
+              <a:t>16</a:t>
+            </a:fld>
+            <a:endParaRPr lang="ko-KR" altLang="en-US"/>
+          </a:p>
+        </p:txBody>
+      </p:sp>
+    </p:spTree>
+    <p:extLst>
+      <p:ext uri="{BB962C8B-B14F-4D97-AF65-F5344CB8AC3E}">
+        <p14:creationId xmlns:p14="http://schemas.microsoft.com/office/powerpoint/2010/main" val="1289622805"/>
+      </p:ext>
+    </p:extLst>
+  </p:cSld>
+  <p:clrMapOvr>
+    <a:masterClrMapping/>
+  </p:clrMapOvr>
+</p:notes>
+</file>
+
+<file path=ppt/notesSlides/notesSlide4.xml><?xml version="1.0" encoding="utf-8"?>
+<p:notes xmlns:a="http://schemas.openxmlformats.org/drawingml/2006/main" xmlns:r="http://schemas.openxmlformats.org/officeDocument/2006/relationships" xmlns:p="http://schemas.openxmlformats.org/presentationml/2006/main">
+  <p:cSld>
+    <p:spTree>
+      <p:nvGrpSpPr>
+        <p:cNvPr id="1" name=""/>
+        <p:cNvGrpSpPr/>
+        <p:nvPr/>
+      </p:nvGrpSpPr>
+      <p:grpSpPr>
+        <a:xfrm>
+          <a:off x="0" y="0"/>
+          <a:ext cx="0" cy="0"/>
+          <a:chOff x="0" y="0"/>
+          <a:chExt cx="0" cy="0"/>
+        </a:xfrm>
+      </p:grpSpPr>
+      <p:sp>
+        <p:nvSpPr>
+          <p:cNvPr id="2" name="슬라이드 이미지 개체 틀 1"/>
+          <p:cNvSpPr>
+            <a:spLocks noGrp="1" noRot="1" noChangeAspect="1"/>
+          </p:cNvSpPr>
+          <p:nvPr>
+            <p:ph type="sldImg"/>
+          </p:nvPr>
+        </p:nvSpPr>
+        <p:spPr/>
+      </p:sp>
+      <p:sp>
+        <p:nvSpPr>
+          <p:cNvPr id="3" name="슬라이드 노트 개체 틀 2"/>
+          <p:cNvSpPr>
+            <a:spLocks noGrp="1"/>
+          </p:cNvSpPr>
+          <p:nvPr>
+            <p:ph type="body" idx="1"/>
+          </p:nvPr>
+        </p:nvSpPr>
+        <p:spPr/>
+        <p:txBody>
+          <a:bodyPr/>
+          <a:lstStyle/>
+          <a:p>
+            <a:r>
+              <a:rPr lang="ko-KR" altLang="en-US" dirty="0"/>
+              <a:t>전체 </a:t>
+            </a:r>
+            <a:r>
+              <a:rPr lang="ko-KR" altLang="en-US" dirty="0" err="1"/>
+              <a:t>기간동안이</a:t>
+            </a:r>
+            <a:r>
+              <a:rPr lang="ko-KR" altLang="en-US" dirty="0"/>
+              <a:t> 아닌</a:t>
+            </a:r>
+            <a:r>
+              <a:rPr lang="en-US" altLang="ko-KR" dirty="0"/>
+              <a:t>, 70</a:t>
+            </a:r>
+            <a:r>
+              <a:rPr lang="ko-KR" altLang="en-US" dirty="0"/>
+              <a:t>년대의 영화에 대해서만 분석한 경우에는</a:t>
+            </a:r>
+            <a:r>
+              <a:rPr lang="en-US" altLang="ko-KR" dirty="0"/>
+              <a:t>, </a:t>
+            </a:r>
+            <a:r>
+              <a:rPr lang="ko-KR" altLang="en-US" dirty="0"/>
+              <a:t>예상과 같이 고수익인 장르가 변화하였습니다</a:t>
+            </a:r>
+            <a:r>
+              <a:rPr lang="en-US" altLang="ko-KR" dirty="0"/>
+              <a:t>.</a:t>
+            </a:r>
+          </a:p>
+          <a:p>
+            <a:endParaRPr lang="en-US" altLang="ko-KR" dirty="0"/>
+          </a:p>
+          <a:p>
+            <a:r>
+              <a:rPr lang="en-US" altLang="ko-KR" dirty="0"/>
+              <a:t>70</a:t>
+            </a:r>
+            <a:r>
+              <a:rPr lang="ko-KR" altLang="en-US" dirty="0"/>
+              <a:t>년대의 가장 고수익 장르는 </a:t>
+            </a:r>
+            <a:r>
+              <a:rPr lang="en-US" altLang="ko-KR" dirty="0"/>
+              <a:t>horror, crime, mystery</a:t>
+            </a:r>
+            <a:r>
+              <a:rPr lang="ko-KR" altLang="en-US" dirty="0"/>
+              <a:t>영화였으며</a:t>
+            </a:r>
+            <a:r>
+              <a:rPr lang="en-US" altLang="ko-KR" dirty="0"/>
+              <a:t>, </a:t>
+            </a:r>
+            <a:r>
+              <a:rPr lang="ko-KR" altLang="en-US" dirty="0"/>
+              <a:t>전체 기간동안 고 수익이었던 가족 및 </a:t>
+            </a:r>
+            <a:r>
+              <a:rPr lang="ko-KR" altLang="en-US" dirty="0" err="1"/>
+              <a:t>코메디</a:t>
+            </a:r>
+            <a:r>
+              <a:rPr lang="ko-KR" altLang="en-US" dirty="0"/>
+              <a:t> 영화는 상대적으로 부진하였습니다</a:t>
+            </a:r>
+            <a:r>
+              <a:rPr lang="en-US" altLang="ko-KR" dirty="0"/>
+              <a:t>.</a:t>
+            </a:r>
+            <a:endParaRPr lang="ko-KR" altLang="en-US" dirty="0"/>
+          </a:p>
+        </p:txBody>
+      </p:sp>
+      <p:sp>
+        <p:nvSpPr>
+          <p:cNvPr id="4" name="슬라이드 번호 개체 틀 3"/>
+          <p:cNvSpPr>
+            <a:spLocks noGrp="1"/>
+          </p:cNvSpPr>
+          <p:nvPr>
+            <p:ph type="sldNum" sz="quarter" idx="5"/>
+          </p:nvPr>
+        </p:nvSpPr>
+        <p:spPr/>
+        <p:txBody>
+          <a:bodyPr/>
+          <a:lstStyle/>
+          <a:p>
+            <a:fld id="{F0BAB27F-779C-4456-AD6A-D5A4D3F5F5BB}" type="slidenum">
+              <a:rPr lang="ko-KR" altLang="en-US" smtClean="0"/>
+              <a:t>17</a:t>
+            </a:fld>
+            <a:endParaRPr lang="ko-KR" altLang="en-US"/>
+          </a:p>
+        </p:txBody>
+      </p:sp>
+    </p:spTree>
+    <p:extLst>
+      <p:ext uri="{BB962C8B-B14F-4D97-AF65-F5344CB8AC3E}">
+        <p14:creationId xmlns:p14="http://schemas.microsoft.com/office/powerpoint/2010/main" val="3829458521"/>
+      </p:ext>
+    </p:extLst>
+  </p:cSld>
+  <p:clrMapOvr>
+    <a:masterClrMapping/>
+  </p:clrMapOvr>
+</p:notes>
+</file>
+
+<file path=ppt/notesSlides/notesSlide5.xml><?xml version="1.0" encoding="utf-8"?>
+<p:notes xmlns:a="http://schemas.openxmlformats.org/drawingml/2006/main" xmlns:r="http://schemas.openxmlformats.org/officeDocument/2006/relationships" xmlns:p="http://schemas.openxmlformats.org/presentationml/2006/main">
+  <p:cSld>
+    <p:spTree>
+      <p:nvGrpSpPr>
+        <p:cNvPr id="1" name=""/>
+        <p:cNvGrpSpPr/>
+        <p:nvPr/>
+      </p:nvGrpSpPr>
+      <p:grpSpPr>
+        <a:xfrm>
+          <a:off x="0" y="0"/>
+          <a:ext cx="0" cy="0"/>
+          <a:chOff x="0" y="0"/>
+          <a:chExt cx="0" cy="0"/>
+        </a:xfrm>
+      </p:grpSpPr>
+      <p:sp>
+        <p:nvSpPr>
+          <p:cNvPr id="2" name="슬라이드 이미지 개체 틀 1"/>
+          <p:cNvSpPr>
+            <a:spLocks noGrp="1" noRot="1" noChangeAspect="1"/>
+          </p:cNvSpPr>
+          <p:nvPr>
+            <p:ph type="sldImg"/>
+          </p:nvPr>
+        </p:nvSpPr>
+        <p:spPr/>
+      </p:sp>
+      <p:sp>
+        <p:nvSpPr>
+          <p:cNvPr id="3" name="슬라이드 노트 개체 틀 2"/>
+          <p:cNvSpPr>
+            <a:spLocks noGrp="1"/>
+          </p:cNvSpPr>
+          <p:nvPr>
+            <p:ph type="body" idx="1"/>
+          </p:nvPr>
+        </p:nvSpPr>
+        <p:spPr/>
+        <p:txBody>
+          <a:bodyPr/>
+          <a:lstStyle/>
+          <a:p>
+            <a:r>
+              <a:rPr lang="en-US" altLang="ko-KR" dirty="0"/>
+              <a:t>Budget</a:t>
+            </a:r>
+            <a:r>
+              <a:rPr lang="ko-KR" altLang="en-US" dirty="0"/>
+              <a:t>와 </a:t>
+            </a:r>
+            <a:r>
+              <a:rPr lang="en-US" altLang="ko-KR" dirty="0"/>
+              <a:t>ratings</a:t>
+            </a:r>
+            <a:r>
+              <a:rPr lang="ko-KR" altLang="en-US" dirty="0"/>
+              <a:t>에는 별 관련이 없는 것으로 나타났습니다</a:t>
+            </a:r>
+            <a:r>
+              <a:rPr lang="en-US" altLang="ko-KR" dirty="0"/>
+              <a:t>.</a:t>
+            </a:r>
+          </a:p>
+          <a:p>
+            <a:endParaRPr lang="en-US" altLang="ko-KR" dirty="0"/>
+          </a:p>
+          <a:p>
+            <a:r>
+              <a:rPr lang="ko-KR" altLang="en-US" dirty="0"/>
+              <a:t>처음에 고 예산 영화가 높은 재미를 가지고 있는 것이 당연하기 때문에 </a:t>
+            </a:r>
+            <a:r>
+              <a:rPr lang="en-US" altLang="ko-KR" dirty="0"/>
+              <a:t>ratings</a:t>
+            </a:r>
+            <a:r>
+              <a:rPr lang="ko-KR" altLang="en-US" dirty="0"/>
+              <a:t>가 높을 것으로 예상하였으나</a:t>
+            </a:r>
+            <a:r>
+              <a:rPr lang="en-US" altLang="ko-KR" dirty="0"/>
+              <a:t>, </a:t>
+            </a:r>
+            <a:r>
+              <a:rPr lang="ko-KR" altLang="en-US" dirty="0"/>
+              <a:t>그렇지 않았고</a:t>
+            </a:r>
+            <a:r>
+              <a:rPr lang="en-US" altLang="ko-KR" dirty="0"/>
+              <a:t>, </a:t>
+            </a:r>
+            <a:r>
+              <a:rPr lang="ko-KR" altLang="en-US" dirty="0"/>
+              <a:t>그 이유를 분석해보았습니다</a:t>
+            </a:r>
+            <a:r>
+              <a:rPr lang="en-US" altLang="ko-KR" dirty="0"/>
+              <a:t>.</a:t>
+            </a:r>
+          </a:p>
+          <a:p>
+            <a:endParaRPr lang="en-US" altLang="ko-KR" dirty="0"/>
+          </a:p>
+          <a:p>
+            <a:r>
+              <a:rPr lang="ko-KR" altLang="en-US" dirty="0"/>
+              <a:t>첫 번째로 표본 선택에서 치우침이 있었던 것으로 생각됩니다</a:t>
+            </a:r>
+            <a:r>
+              <a:rPr lang="en-US" altLang="ko-KR" dirty="0"/>
+              <a:t>. </a:t>
+            </a:r>
+            <a:r>
+              <a:rPr lang="ko-KR" altLang="en-US" dirty="0"/>
+              <a:t>영화는 보편적인 사람들에 대한 재미를 추구하나</a:t>
+            </a:r>
+            <a:r>
+              <a:rPr lang="en-US" altLang="ko-KR" dirty="0"/>
+              <a:t>, ratings</a:t>
+            </a:r>
+            <a:r>
+              <a:rPr lang="ko-KR" altLang="en-US" dirty="0"/>
+              <a:t>를 남기는 사람들은 보편적인 사람들보다 영화를 좋아하는 쪽에 속해 있을 가능성이 높다고 판단하였고</a:t>
+            </a:r>
+            <a:r>
+              <a:rPr lang="en-US" altLang="ko-KR" dirty="0"/>
+              <a:t>, </a:t>
+            </a:r>
+            <a:r>
+              <a:rPr lang="ko-KR" altLang="en-US" dirty="0"/>
+              <a:t>이들의 평가는 </a:t>
+            </a:r>
+            <a:r>
+              <a:rPr lang="ko-KR" altLang="en-US" dirty="0" err="1"/>
+              <a:t>스노브</a:t>
+            </a:r>
+            <a:r>
+              <a:rPr lang="ko-KR" altLang="en-US" dirty="0"/>
+              <a:t> 효과를 고려해야 할 것입니다</a:t>
+            </a:r>
+            <a:r>
+              <a:rPr lang="en-US" altLang="ko-KR" dirty="0"/>
+              <a:t>.</a:t>
+            </a:r>
+          </a:p>
+          <a:p>
+            <a:endParaRPr lang="en-US" altLang="ko-KR" dirty="0"/>
+          </a:p>
+          <a:p>
+            <a:r>
+              <a:rPr lang="ko-KR" altLang="en-US" dirty="0"/>
+              <a:t>두 번째로 고 예산 영화에 대한 실망감이 있을 수 있겠습니다</a:t>
+            </a:r>
+            <a:r>
+              <a:rPr lang="en-US" altLang="ko-KR" dirty="0"/>
+              <a:t>. </a:t>
+            </a:r>
+            <a:r>
+              <a:rPr lang="ko-KR" altLang="en-US" dirty="0"/>
+              <a:t>고 예산 영화</a:t>
+            </a:r>
+            <a:r>
+              <a:rPr lang="en-US" altLang="ko-KR" dirty="0"/>
+              <a:t>, </a:t>
+            </a:r>
+            <a:r>
+              <a:rPr lang="ko-KR" altLang="en-US" dirty="0"/>
+              <a:t>이를테면 인기있는 시리즈물 영화의 속편</a:t>
+            </a:r>
+            <a:r>
+              <a:rPr lang="en-US" altLang="ko-KR" dirty="0"/>
+              <a:t>, </a:t>
+            </a:r>
+            <a:r>
+              <a:rPr lang="ko-KR" altLang="en-US" dirty="0"/>
+              <a:t>은 원판에 대한 기대감 및 사전 홍보때문에 기대감이 많이 올라와 있는 상태일 것이고</a:t>
+            </a:r>
+            <a:r>
+              <a:rPr lang="en-US" altLang="ko-KR" dirty="0"/>
+              <a:t>, </a:t>
+            </a:r>
+            <a:r>
+              <a:rPr lang="ko-KR" altLang="en-US" dirty="0"/>
+              <a:t>이 상태에서 일반적인 재미의 영화를 만든다면 적은 평점을 기록할 것입니다</a:t>
+            </a:r>
+            <a:r>
+              <a:rPr lang="en-US" altLang="ko-KR" dirty="0"/>
+              <a:t>. </a:t>
+            </a:r>
+            <a:r>
+              <a:rPr lang="ko-KR" altLang="en-US" dirty="0"/>
+              <a:t>이에 따라 고 예산 영화가 높은 </a:t>
+            </a:r>
+            <a:r>
+              <a:rPr lang="en-US" altLang="ko-KR" dirty="0"/>
+              <a:t>rating</a:t>
+            </a:r>
+            <a:r>
+              <a:rPr lang="ko-KR" altLang="en-US" dirty="0"/>
+              <a:t>을 가지지는 않았습니다</a:t>
+            </a:r>
+            <a:r>
+              <a:rPr lang="en-US" altLang="ko-KR" dirty="0"/>
+              <a:t>.</a:t>
+            </a:r>
+          </a:p>
+          <a:p>
+            <a:endParaRPr lang="en-US" altLang="ko-KR" dirty="0"/>
+          </a:p>
+          <a:p>
+            <a:r>
+              <a:rPr lang="ko-KR" altLang="en-US" dirty="0"/>
+              <a:t>전 슬라이드에서 나오듯</a:t>
+            </a:r>
+            <a:r>
+              <a:rPr lang="en-US" altLang="ko-KR" dirty="0"/>
+              <a:t>, </a:t>
+            </a:r>
+            <a:r>
+              <a:rPr lang="ko-KR" altLang="en-US" dirty="0"/>
+              <a:t>이 경향은 시대에 따라 달라지지 않았습니다</a:t>
+            </a:r>
+            <a:r>
+              <a:rPr lang="en-US" altLang="ko-KR" dirty="0"/>
+              <a:t>.</a:t>
+            </a:r>
+            <a:endParaRPr lang="ko-KR" altLang="en-US" dirty="0"/>
+          </a:p>
+        </p:txBody>
+      </p:sp>
+      <p:sp>
+        <p:nvSpPr>
+          <p:cNvPr id="4" name="슬라이드 번호 개체 틀 3"/>
+          <p:cNvSpPr>
+            <a:spLocks noGrp="1"/>
+          </p:cNvSpPr>
+          <p:nvPr>
+            <p:ph type="sldNum" sz="quarter" idx="5"/>
+          </p:nvPr>
+        </p:nvSpPr>
+        <p:spPr/>
+        <p:txBody>
+          <a:bodyPr/>
+          <a:lstStyle/>
+          <a:p>
+            <a:fld id="{F0BAB27F-779C-4456-AD6A-D5A4D3F5F5BB}" type="slidenum">
+              <a:rPr lang="ko-KR" altLang="en-US" smtClean="0"/>
+              <a:t>18</a:t>
+            </a:fld>
+            <a:endParaRPr lang="ko-KR" altLang="en-US"/>
+          </a:p>
+        </p:txBody>
+      </p:sp>
+    </p:spTree>
+    <p:extLst>
+      <p:ext uri="{BB962C8B-B14F-4D97-AF65-F5344CB8AC3E}">
+        <p14:creationId xmlns:p14="http://schemas.microsoft.com/office/powerpoint/2010/main" val="2154144361"/>
+      </p:ext>
+    </p:extLst>
+  </p:cSld>
+  <p:clrMapOvr>
+    <a:masterClrMapping/>
+  </p:clrMapOvr>
+</p:notes>
+</file>
+
+<file path=ppt/notesSlides/notesSlide6.xml><?xml version="1.0" encoding="utf-8"?>
+<p:notes xmlns:a="http://schemas.openxmlformats.org/drawingml/2006/main" xmlns:r="http://schemas.openxmlformats.org/officeDocument/2006/relationships" xmlns:p="http://schemas.openxmlformats.org/presentationml/2006/main">
+  <p:cSld>
+    <p:spTree>
+      <p:nvGrpSpPr>
+        <p:cNvPr id="1" name=""/>
+        <p:cNvGrpSpPr/>
+        <p:nvPr/>
+      </p:nvGrpSpPr>
+      <p:grpSpPr>
+        <a:xfrm>
+          <a:off x="0" y="0"/>
+          <a:ext cx="0" cy="0"/>
+          <a:chOff x="0" y="0"/>
+          <a:chExt cx="0" cy="0"/>
+        </a:xfrm>
+      </p:grpSpPr>
+      <p:sp>
+        <p:nvSpPr>
+          <p:cNvPr id="2" name="슬라이드 이미지 개체 틀 1"/>
+          <p:cNvSpPr>
+            <a:spLocks noGrp="1" noRot="1" noChangeAspect="1"/>
+          </p:cNvSpPr>
+          <p:nvPr>
+            <p:ph type="sldImg"/>
+          </p:nvPr>
+        </p:nvSpPr>
+        <p:spPr/>
+      </p:sp>
+      <p:sp>
+        <p:nvSpPr>
+          <p:cNvPr id="3" name="슬라이드 노트 개체 틀 2"/>
+          <p:cNvSpPr>
+            <a:spLocks noGrp="1"/>
+          </p:cNvSpPr>
+          <p:nvPr>
+            <p:ph type="body" idx="1"/>
+          </p:nvPr>
+        </p:nvSpPr>
+        <p:spPr/>
+        <p:txBody>
+          <a:bodyPr/>
+          <a:lstStyle/>
+          <a:p>
+            <a:r>
+              <a:rPr lang="ko-KR" altLang="en-US" dirty="0"/>
+              <a:t>우리는 영화 산업의 고수익을 위한 분석을 진행하였습니다</a:t>
+            </a:r>
+            <a:r>
+              <a:rPr lang="en-US" altLang="ko-KR" dirty="0"/>
+              <a:t>. </a:t>
+            </a:r>
+          </a:p>
+          <a:p>
+            <a:endParaRPr lang="en-US" altLang="ko-KR" dirty="0"/>
+          </a:p>
+          <a:p>
+            <a:r>
+              <a:rPr lang="ko-KR" altLang="en-US" dirty="0"/>
+              <a:t>결론적으로 세 가지의 분석결과를 </a:t>
+            </a:r>
+            <a:r>
+              <a:rPr lang="ko-KR" altLang="en-US" dirty="0" err="1"/>
+              <a:t>얻어내었는데</a:t>
+            </a:r>
+            <a:r>
+              <a:rPr lang="ko-KR" altLang="en-US" dirty="0"/>
+              <a:t> 다음과 같습니다</a:t>
+            </a:r>
+            <a:r>
+              <a:rPr lang="en-US" altLang="ko-KR" dirty="0"/>
+              <a:t>.</a:t>
+            </a:r>
+          </a:p>
+          <a:p>
+            <a:endParaRPr lang="en-US" altLang="ko-KR" dirty="0"/>
+          </a:p>
+          <a:p>
+            <a:r>
+              <a:rPr lang="ko-KR" altLang="en-US" dirty="0"/>
+              <a:t>저 예산 영화는 높은 기대 수익률을 </a:t>
+            </a:r>
+            <a:r>
+              <a:rPr lang="ko-KR" altLang="en-US" dirty="0" err="1"/>
+              <a:t>나타내었습니다</a:t>
+            </a:r>
+            <a:r>
+              <a:rPr lang="en-US" altLang="ko-KR" dirty="0"/>
+              <a:t>.</a:t>
+            </a:r>
+          </a:p>
+          <a:p>
+            <a:endParaRPr lang="en-US" altLang="ko-KR" dirty="0"/>
+          </a:p>
+          <a:p>
+            <a:r>
+              <a:rPr lang="ko-KR" altLang="en-US" dirty="0"/>
+              <a:t>예산과 평점은 큰 관련이 없었습니다</a:t>
+            </a:r>
+            <a:r>
+              <a:rPr lang="en-US" altLang="ko-KR" dirty="0"/>
+              <a:t>.</a:t>
+            </a:r>
+          </a:p>
+          <a:p>
+            <a:endParaRPr lang="en-US" altLang="ko-KR" dirty="0"/>
+          </a:p>
+          <a:p>
+            <a:r>
+              <a:rPr lang="ko-KR" altLang="en-US" dirty="0"/>
+              <a:t>시대에 따라 확연히 드러나는 고수익 장르가 존재하였습니다</a:t>
+            </a:r>
+            <a:r>
+              <a:rPr lang="en-US" altLang="ko-KR" dirty="0"/>
+              <a:t>.</a:t>
+            </a:r>
+          </a:p>
+        </p:txBody>
+      </p:sp>
+      <p:sp>
+        <p:nvSpPr>
+          <p:cNvPr id="4" name="슬라이드 번호 개체 틀 3"/>
+          <p:cNvSpPr>
+            <a:spLocks noGrp="1"/>
+          </p:cNvSpPr>
+          <p:nvPr>
+            <p:ph type="sldNum" sz="quarter" idx="5"/>
+          </p:nvPr>
+        </p:nvSpPr>
+        <p:spPr/>
+        <p:txBody>
+          <a:bodyPr/>
+          <a:lstStyle/>
+          <a:p>
+            <a:fld id="{F0BAB27F-779C-4456-AD6A-D5A4D3F5F5BB}" type="slidenum">
+              <a:rPr lang="ko-KR" altLang="en-US" smtClean="0"/>
+              <a:t>20</a:t>
+            </a:fld>
+            <a:endParaRPr lang="ko-KR" altLang="en-US"/>
+          </a:p>
+        </p:txBody>
+      </p:sp>
+    </p:spTree>
+    <p:extLst>
+      <p:ext uri="{BB962C8B-B14F-4D97-AF65-F5344CB8AC3E}">
+        <p14:creationId xmlns:p14="http://schemas.microsoft.com/office/powerpoint/2010/main" val="1486950814"/>
+      </p:ext>
+    </p:extLst>
+  </p:cSld>
+  <p:clrMapOvr>
+    <a:masterClrMapping/>
+  </p:clrMapOvr>
+</p:notes>
 </file>
 
 <file path=ppt/slideLayouts/slideLayout1.xml><?xml version="1.0" encoding="utf-8"?>
@@ -7662,8 +9211,8 @@
           </p:txBody>
         </p:sp>
       </p:grpSp>
-      <mc:AlternateContent xmlns:mc="http://schemas.openxmlformats.org/markup-compatibility/2006">
-        <mc:Choice xmlns:a14="http://schemas.microsoft.com/office/drawing/2010/main" Requires="a14">
+      <mc:AlternateContent xmlns:mc="http://schemas.openxmlformats.org/markup-compatibility/2006" xmlns:a14="http://schemas.microsoft.com/office/drawing/2010/main">
+        <mc:Choice Requires="a14">
           <p:graphicFrame>
             <p:nvGraphicFramePr>
               <p:cNvPr id="21" name="표 24">
@@ -7813,7 +9362,9 @@
                               </m:oMathParaPr>
                               <m:oMath xmlns:m="http://schemas.openxmlformats.org/officeDocument/2006/math">
                                 <m:r>
-                                  <a:rPr lang="ko-KR" altLang="en-US" sz="1200" smtClean="0"/>
+                                  <a:rPr lang="ko-KR" altLang="en-US" sz="1200" smtClean="0">
+                                    <a:latin typeface="Cambria Math" panose="02040503050406030204" pitchFamily="18" charset="0"/>
+                                  </a:rPr>
                                   <m:t>⋯</m:t>
                                 </m:r>
                               </m:oMath>
@@ -8202,7 +9753,7 @@
             </a:graphic>
           </p:graphicFrame>
         </mc:Choice>
-        <mc:Fallback>
+        <mc:Fallback xmlns="">
           <p:graphicFrame>
             <p:nvGraphicFramePr>
               <p:cNvPr id="21" name="표 24">
@@ -10389,7 +11940,7 @@
             <p:nvPr/>
           </p:nvPicPr>
           <p:blipFill rotWithShape="1">
-            <a:blip r:embed="rId2">
+            <a:blip r:embed="rId3">
               <a:extLst>
                 <a:ext uri="{28A0092B-C50C-407E-A947-70E740481C1C}">
                   <a14:useLocalDpi xmlns:a14="http://schemas.microsoft.com/office/drawing/2010/main" val="0"/>
@@ -11366,7 +12917,7 @@
               <p:nvPr/>
             </p:nvPicPr>
             <p:blipFill>
-              <a:blip r:embed="rId2">
+              <a:blip r:embed="rId3">
                 <a:extLst>
                   <a:ext uri="{28A0092B-C50C-407E-A947-70E740481C1C}">
                     <a14:useLocalDpi xmlns:a14="http://schemas.microsoft.com/office/drawing/2010/main" val="0"/>
@@ -12367,7 +13918,7 @@
             <p:nvPr/>
           </p:nvPicPr>
           <p:blipFill>
-            <a:blip r:embed="rId2">
+            <a:blip r:embed="rId3">
               <a:extLst>
                 <a:ext uri="{28A0092B-C50C-407E-A947-70E740481C1C}">
                   <a14:useLocalDpi xmlns:a14="http://schemas.microsoft.com/office/drawing/2010/main" val="0"/>
@@ -13798,6 +15349,914 @@
           <a:chExt cx="0" cy="0"/>
         </a:xfrm>
       </p:grpSpPr>
+      <p:pic>
+        <p:nvPicPr>
+          <p:cNvPr id="8" name="그림 7">
+            <a:extLst>
+              <a:ext uri="{FF2B5EF4-FFF2-40B4-BE49-F238E27FC236}">
+                <a16:creationId xmlns:a16="http://schemas.microsoft.com/office/drawing/2014/main" id="{70AD6280-815D-4066-8CA7-9CCABA1598B0}"/>
+              </a:ext>
+            </a:extLst>
+          </p:cNvPr>
+          <p:cNvPicPr>
+            <a:picLocks noChangeAspect="1"/>
+          </p:cNvPicPr>
+          <p:nvPr/>
+        </p:nvPicPr>
+        <p:blipFill>
+          <a:blip r:embed="rId3"/>
+          <a:stretch>
+            <a:fillRect/>
+          </a:stretch>
+        </p:blipFill>
+        <p:spPr>
+          <a:xfrm>
+            <a:off x="0" y="1371427"/>
+            <a:ext cx="9144000" cy="3048000"/>
+          </a:xfrm>
+          <a:prstGeom prst="rect">
+            <a:avLst/>
+          </a:prstGeom>
+        </p:spPr>
+      </p:pic>
+      <p:sp>
+        <p:nvSpPr>
+          <p:cNvPr id="2" name="TextBox 1"/>
+          <p:cNvSpPr txBox="1"/>
+          <p:nvPr/>
+        </p:nvSpPr>
+        <p:spPr>
+          <a:xfrm>
+            <a:off x="0" y="899611"/>
+            <a:ext cx="1695635" cy="369332"/>
+          </a:xfrm>
+          <a:prstGeom prst="rect">
+            <a:avLst/>
+          </a:prstGeom>
+          <a:noFill/>
+          <a:scene3d>
+            <a:camera prst="obliqueBottomLeft"/>
+            <a:lightRig rig="threePt" dir="t"/>
+          </a:scene3d>
+        </p:spPr>
+        <p:txBody>
+          <a:bodyPr wrap="square" rtlCol="0">
+            <a:spAutoFit/>
+          </a:bodyPr>
+          <a:lstStyle/>
+          <a:p>
+            <a:r>
+              <a:rPr lang="es-ES" altLang="ko-KR" spc="-150" dirty="0">
+                <a:solidFill>
+                  <a:schemeClr val="bg1">
+                    <a:lumMod val="95000"/>
+                  </a:schemeClr>
+                </a:solidFill>
+                <a:latin typeface="배달의민족 한나" panose="02020603020101020101" pitchFamily="18" charset="-127"/>
+                <a:ea typeface="배달의민족 한나" panose="02020603020101020101" pitchFamily="18" charset="-127"/>
+              </a:rPr>
+              <a:t>Data </a:t>
+            </a:r>
+            <a:r>
+              <a:rPr lang="es-ES" altLang="ko-KR" spc="-150" dirty="0" err="1">
+                <a:solidFill>
+                  <a:schemeClr val="bg1">
+                    <a:lumMod val="95000"/>
+                  </a:schemeClr>
+                </a:solidFill>
+                <a:latin typeface="배달의민족 한나" panose="02020603020101020101" pitchFamily="18" charset="-127"/>
+                <a:ea typeface="배달의민족 한나" panose="02020603020101020101" pitchFamily="18" charset="-127"/>
+              </a:rPr>
+              <a:t>Analysis</a:t>
+            </a:r>
+            <a:endParaRPr lang="es-ES" altLang="ko-KR" spc="-150" dirty="0">
+              <a:solidFill>
+                <a:schemeClr val="bg1">
+                  <a:lumMod val="95000"/>
+                </a:schemeClr>
+              </a:solidFill>
+              <a:latin typeface="배달의민족 한나" panose="02020603020101020101" pitchFamily="18" charset="-127"/>
+              <a:ea typeface="배달의민족 한나" panose="02020603020101020101" pitchFamily="18" charset="-127"/>
+            </a:endParaRPr>
+          </a:p>
+        </p:txBody>
+      </p:sp>
+      <p:sp>
+        <p:nvSpPr>
+          <p:cNvPr id="4" name="TextBox 3"/>
+          <p:cNvSpPr txBox="1"/>
+          <p:nvPr/>
+        </p:nvSpPr>
+        <p:spPr>
+          <a:xfrm>
+            <a:off x="1775534" y="684168"/>
+            <a:ext cx="7022237" cy="584775"/>
+          </a:xfrm>
+          <a:prstGeom prst="rect">
+            <a:avLst/>
+          </a:prstGeom>
+          <a:noFill/>
+          <a:scene3d>
+            <a:camera prst="obliqueBottomLeft"/>
+            <a:lightRig rig="threePt" dir="t"/>
+          </a:scene3d>
+        </p:spPr>
+        <p:txBody>
+          <a:bodyPr wrap="square" rtlCol="0">
+            <a:spAutoFit/>
+          </a:bodyPr>
+          <a:lstStyle/>
+          <a:p>
+            <a:pPr algn="ctr"/>
+            <a:r>
+              <a:rPr lang="en-US" altLang="ko-KR" sz="3200" spc="-150" dirty="0">
+                <a:solidFill>
+                  <a:schemeClr val="bg1">
+                    <a:lumMod val="95000"/>
+                  </a:schemeClr>
+                </a:solidFill>
+                <a:latin typeface="배달의민족 한나" panose="02020603020101020101" pitchFamily="18" charset="-127"/>
+                <a:ea typeface="배달의민족 한나" panose="02020603020101020101" pitchFamily="18" charset="-127"/>
+              </a:rPr>
+              <a:t>Genre - Earnings rate</a:t>
+            </a:r>
+            <a:endParaRPr lang="ko-KR" altLang="en-US" sz="3200" spc="-150" dirty="0">
+              <a:solidFill>
+                <a:schemeClr val="bg1">
+                  <a:lumMod val="95000"/>
+                </a:schemeClr>
+              </a:solidFill>
+              <a:latin typeface="배달의민족 한나" panose="02020603020101020101" pitchFamily="18" charset="-127"/>
+              <a:ea typeface="배달의민족 한나" panose="02020603020101020101" pitchFamily="18" charset="-127"/>
+            </a:endParaRPr>
+          </a:p>
+        </p:txBody>
+      </p:sp>
+      <p:sp>
+        <p:nvSpPr>
+          <p:cNvPr id="5" name="TextBox 4"/>
+          <p:cNvSpPr txBox="1"/>
+          <p:nvPr/>
+        </p:nvSpPr>
+        <p:spPr>
+          <a:xfrm>
+            <a:off x="1" y="637424"/>
+            <a:ext cx="585926" cy="400110"/>
+          </a:xfrm>
+          <a:prstGeom prst="rect">
+            <a:avLst/>
+          </a:prstGeom>
+          <a:noFill/>
+          <a:scene3d>
+            <a:camera prst="obliqueBottomLeft"/>
+            <a:lightRig rig="threePt" dir="t"/>
+          </a:scene3d>
+        </p:spPr>
+        <p:txBody>
+          <a:bodyPr wrap="square" rtlCol="0">
+            <a:spAutoFit/>
+          </a:bodyPr>
+          <a:lstStyle/>
+          <a:p>
+            <a:r>
+              <a:rPr lang="en-US" altLang="ko-KR" sz="2000" b="1" dirty="0">
+                <a:solidFill>
+                  <a:schemeClr val="bg1">
+                    <a:lumMod val="65000"/>
+                  </a:schemeClr>
+                </a:solidFill>
+                <a:latin typeface="배달의민족 한나" panose="02020603020101020101" pitchFamily="18" charset="-127"/>
+                <a:ea typeface="배달의민족 한나" panose="02020603020101020101" pitchFamily="18" charset="-127"/>
+              </a:rPr>
+              <a:t>0</a:t>
+            </a:r>
+            <a:r>
+              <a:rPr lang="en-US" altLang="ko-KR" sz="2000" b="1" dirty="0">
+                <a:solidFill>
+                  <a:schemeClr val="bg1">
+                    <a:lumMod val="95000"/>
+                  </a:schemeClr>
+                </a:solidFill>
+                <a:latin typeface="배달의민족 한나" panose="02020603020101020101" pitchFamily="18" charset="-127"/>
+                <a:ea typeface="배달의민족 한나" panose="02020603020101020101" pitchFamily="18" charset="-127"/>
+              </a:rPr>
+              <a:t>4</a:t>
+            </a:r>
+            <a:endParaRPr lang="ko-KR" altLang="en-US" sz="2000" b="1" dirty="0">
+              <a:solidFill>
+                <a:schemeClr val="bg1">
+                  <a:lumMod val="95000"/>
+                </a:schemeClr>
+              </a:solidFill>
+              <a:latin typeface="배달의민족 한나" panose="02020603020101020101" pitchFamily="18" charset="-127"/>
+              <a:ea typeface="배달의민족 한나" panose="02020603020101020101" pitchFamily="18" charset="-127"/>
+            </a:endParaRPr>
+          </a:p>
+        </p:txBody>
+      </p:sp>
+      <p:sp>
+        <p:nvSpPr>
+          <p:cNvPr id="7" name="직사각형 6">
+            <a:extLst>
+              <a:ext uri="{FF2B5EF4-FFF2-40B4-BE49-F238E27FC236}">
+                <a16:creationId xmlns:a16="http://schemas.microsoft.com/office/drawing/2014/main" id="{1CA5AF71-434C-46C8-B04D-4137449EA90C}"/>
+              </a:ext>
+            </a:extLst>
+          </p:cNvPr>
+          <p:cNvSpPr/>
+          <p:nvPr/>
+        </p:nvSpPr>
+        <p:spPr>
+          <a:xfrm>
+            <a:off x="2237172" y="6392135"/>
+            <a:ext cx="4900474" cy="266330"/>
+          </a:xfrm>
+          <a:prstGeom prst="rect">
+            <a:avLst/>
+          </a:prstGeom>
+          <a:solidFill>
+            <a:srgbClr val="595959"/>
+          </a:solidFill>
+          <a:ln>
+            <a:noFill/>
+          </a:ln>
+        </p:spPr>
+        <p:style>
+          <a:lnRef idx="2">
+            <a:schemeClr val="accent1">
+              <a:shade val="50000"/>
+            </a:schemeClr>
+          </a:lnRef>
+          <a:fillRef idx="1">
+            <a:schemeClr val="accent1"/>
+          </a:fillRef>
+          <a:effectRef idx="0">
+            <a:schemeClr val="accent1"/>
+          </a:effectRef>
+          <a:fontRef idx="minor">
+            <a:schemeClr val="lt1"/>
+          </a:fontRef>
+        </p:style>
+        <p:txBody>
+          <a:bodyPr rtlCol="0" anchor="ctr"/>
+          <a:lstStyle/>
+          <a:p>
+            <a:pPr algn="ctr"/>
+            <a:endParaRPr lang="ko-KR" altLang="en-US"/>
+          </a:p>
+        </p:txBody>
+      </p:sp>
+      <p:sp>
+        <p:nvSpPr>
+          <p:cNvPr id="12" name="TextBox 11">
+            <a:extLst>
+              <a:ext uri="{FF2B5EF4-FFF2-40B4-BE49-F238E27FC236}">
+                <a16:creationId xmlns:a16="http://schemas.microsoft.com/office/drawing/2014/main" id="{362765FF-7FF4-42F3-8497-C2D2A960B841}"/>
+              </a:ext>
+            </a:extLst>
+          </p:cNvPr>
+          <p:cNvSpPr txBox="1"/>
+          <p:nvPr/>
+        </p:nvSpPr>
+        <p:spPr>
+          <a:xfrm>
+            <a:off x="7237812" y="4210563"/>
+            <a:ext cx="870011" cy="276999"/>
+          </a:xfrm>
+          <a:prstGeom prst="rect">
+            <a:avLst/>
+          </a:prstGeom>
+          <a:noFill/>
+          <a:scene3d>
+            <a:camera prst="obliqueBottomLeft"/>
+            <a:lightRig rig="threePt" dir="t"/>
+          </a:scene3d>
+        </p:spPr>
+        <p:txBody>
+          <a:bodyPr wrap="square" rtlCol="0">
+            <a:spAutoFit/>
+          </a:bodyPr>
+          <a:lstStyle/>
+          <a:p>
+            <a:pPr algn="ctr"/>
+            <a:r>
+              <a:rPr lang="en-US" altLang="ko-KR" sz="1200" spc="-150" dirty="0"/>
+              <a:t>Crime</a:t>
+            </a:r>
+          </a:p>
+        </p:txBody>
+      </p:sp>
+      <p:sp>
+        <p:nvSpPr>
+          <p:cNvPr id="13" name="TextBox 12">
+            <a:extLst>
+              <a:ext uri="{FF2B5EF4-FFF2-40B4-BE49-F238E27FC236}">
+                <a16:creationId xmlns:a16="http://schemas.microsoft.com/office/drawing/2014/main" id="{5644554F-7F46-457D-ABF9-2AAF18C27D2B}"/>
+              </a:ext>
+            </a:extLst>
+          </p:cNvPr>
+          <p:cNvSpPr txBox="1"/>
+          <p:nvPr/>
+        </p:nvSpPr>
+        <p:spPr>
+          <a:xfrm>
+            <a:off x="4439456" y="4174607"/>
+            <a:ext cx="870011" cy="276999"/>
+          </a:xfrm>
+          <a:prstGeom prst="rect">
+            <a:avLst/>
+          </a:prstGeom>
+          <a:noFill/>
+          <a:scene3d>
+            <a:camera prst="obliqueBottomLeft"/>
+            <a:lightRig rig="threePt" dir="t"/>
+          </a:scene3d>
+        </p:spPr>
+        <p:txBody>
+          <a:bodyPr wrap="square" rtlCol="0">
+            <a:spAutoFit/>
+          </a:bodyPr>
+          <a:lstStyle/>
+          <a:p>
+            <a:pPr algn="ctr"/>
+            <a:r>
+              <a:rPr lang="en-US" altLang="ko-KR" sz="1200" spc="-150" dirty="0"/>
+              <a:t>horror</a:t>
+            </a:r>
+            <a:endParaRPr lang="ko-KR" altLang="en-US" sz="1200" spc="-150" dirty="0"/>
+          </a:p>
+        </p:txBody>
+      </p:sp>
+      <p:sp>
+        <p:nvSpPr>
+          <p:cNvPr id="16" name="TextBox 15">
+            <a:extLst>
+              <a:ext uri="{FF2B5EF4-FFF2-40B4-BE49-F238E27FC236}">
+                <a16:creationId xmlns:a16="http://schemas.microsoft.com/office/drawing/2014/main" id="{32BB7369-3C3C-4428-BE76-92CD5B699A7A}"/>
+              </a:ext>
+            </a:extLst>
+          </p:cNvPr>
+          <p:cNvSpPr txBox="1"/>
+          <p:nvPr/>
+        </p:nvSpPr>
+        <p:spPr>
+          <a:xfrm>
+            <a:off x="8379404" y="4174608"/>
+            <a:ext cx="870011" cy="276999"/>
+          </a:xfrm>
+          <a:prstGeom prst="rect">
+            <a:avLst/>
+          </a:prstGeom>
+          <a:noFill/>
+          <a:scene3d>
+            <a:camera prst="obliqueBottomLeft"/>
+            <a:lightRig rig="threePt" dir="t"/>
+          </a:scene3d>
+        </p:spPr>
+        <p:txBody>
+          <a:bodyPr wrap="square" rtlCol="0">
+            <a:spAutoFit/>
+          </a:bodyPr>
+          <a:lstStyle/>
+          <a:p>
+            <a:pPr algn="ctr"/>
+            <a:r>
+              <a:rPr lang="en-US" altLang="ko-KR" sz="1200" spc="-150" dirty="0"/>
+              <a:t>Mystery</a:t>
+            </a:r>
+          </a:p>
+        </p:txBody>
+      </p:sp>
+      <p:sp>
+        <p:nvSpPr>
+          <p:cNvPr id="17" name="직사각형 16">
+            <a:extLst>
+              <a:ext uri="{FF2B5EF4-FFF2-40B4-BE49-F238E27FC236}">
+                <a16:creationId xmlns:a16="http://schemas.microsoft.com/office/drawing/2014/main" id="{CA39B0F8-F22B-4A90-8FB1-FEF3DF0CEBA7}"/>
+              </a:ext>
+            </a:extLst>
+          </p:cNvPr>
+          <p:cNvSpPr/>
+          <p:nvPr/>
+        </p:nvSpPr>
+        <p:spPr>
+          <a:xfrm>
+            <a:off x="4658028" y="2968840"/>
+            <a:ext cx="437496" cy="1450587"/>
+          </a:xfrm>
+          <a:prstGeom prst="rect">
+            <a:avLst/>
+          </a:prstGeom>
+          <a:noFill/>
+          <a:ln w="28575">
+            <a:solidFill>
+              <a:srgbClr val="FF0000"/>
+            </a:solidFill>
+          </a:ln>
+        </p:spPr>
+        <p:style>
+          <a:lnRef idx="2">
+            <a:schemeClr val="accent1">
+              <a:shade val="50000"/>
+            </a:schemeClr>
+          </a:lnRef>
+          <a:fillRef idx="1">
+            <a:schemeClr val="accent1"/>
+          </a:fillRef>
+          <a:effectRef idx="0">
+            <a:schemeClr val="accent1"/>
+          </a:effectRef>
+          <a:fontRef idx="minor">
+            <a:schemeClr val="lt1"/>
+          </a:fontRef>
+        </p:style>
+        <p:txBody>
+          <a:bodyPr rtlCol="0" anchor="ctr"/>
+          <a:lstStyle/>
+          <a:p>
+            <a:pPr algn="ctr"/>
+            <a:endParaRPr lang="ko-KR" altLang="en-US"/>
+          </a:p>
+        </p:txBody>
+      </p:sp>
+      <p:cxnSp>
+        <p:nvCxnSpPr>
+          <p:cNvPr id="18" name="직선 연결선 17">
+            <a:extLst>
+              <a:ext uri="{FF2B5EF4-FFF2-40B4-BE49-F238E27FC236}">
+                <a16:creationId xmlns:a16="http://schemas.microsoft.com/office/drawing/2014/main" id="{8A42EBDA-FC81-41D5-B2A8-89F7698C83AF}"/>
+              </a:ext>
+            </a:extLst>
+          </p:cNvPr>
+          <p:cNvCxnSpPr>
+            <a:cxnSpLocks/>
+            <a:stCxn id="17" idx="2"/>
+          </p:cNvCxnSpPr>
+          <p:nvPr/>
+        </p:nvCxnSpPr>
+        <p:spPr>
+          <a:xfrm>
+            <a:off x="4876776" y="4419427"/>
+            <a:ext cx="218748" cy="617147"/>
+          </a:xfrm>
+          <a:prstGeom prst="line">
+            <a:avLst/>
+          </a:prstGeom>
+          <a:ln w="28575">
+            <a:solidFill>
+              <a:srgbClr val="FF0000"/>
+            </a:solidFill>
+          </a:ln>
+        </p:spPr>
+        <p:style>
+          <a:lnRef idx="1">
+            <a:schemeClr val="accent1"/>
+          </a:lnRef>
+          <a:fillRef idx="0">
+            <a:schemeClr val="accent1"/>
+          </a:fillRef>
+          <a:effectRef idx="0">
+            <a:schemeClr val="accent1"/>
+          </a:effectRef>
+          <a:fontRef idx="minor">
+            <a:schemeClr val="tx1"/>
+          </a:fontRef>
+        </p:style>
+      </p:cxnSp>
+      <p:sp>
+        <p:nvSpPr>
+          <p:cNvPr id="19" name="TextBox 18">
+            <a:extLst>
+              <a:ext uri="{FF2B5EF4-FFF2-40B4-BE49-F238E27FC236}">
+                <a16:creationId xmlns:a16="http://schemas.microsoft.com/office/drawing/2014/main" id="{6C02F9AA-6430-4CBF-8C90-4AC3E93E6783}"/>
+              </a:ext>
+            </a:extLst>
+          </p:cNvPr>
+          <p:cNvSpPr txBox="1"/>
+          <p:nvPr/>
+        </p:nvSpPr>
+        <p:spPr>
+          <a:xfrm>
+            <a:off x="1571955" y="5160356"/>
+            <a:ext cx="6172146" cy="369332"/>
+          </a:xfrm>
+          <a:prstGeom prst="rect">
+            <a:avLst/>
+          </a:prstGeom>
+          <a:noFill/>
+          <a:scene3d>
+            <a:camera prst="obliqueBottomLeft"/>
+            <a:lightRig rig="threePt" dir="t"/>
+          </a:scene3d>
+        </p:spPr>
+        <p:txBody>
+          <a:bodyPr wrap="square" rtlCol="0">
+            <a:spAutoFit/>
+          </a:bodyPr>
+          <a:lstStyle/>
+          <a:p>
+            <a:pPr algn="ctr"/>
+            <a:r>
+              <a:rPr lang="en-US" altLang="ko-KR" spc="-150" dirty="0">
+                <a:latin typeface="Arial Rounded MT Bold" panose="020F0704030504030204" pitchFamily="34" charset="0"/>
+                <a:ea typeface="스웨거 TTF" panose="020B0600000101010101" pitchFamily="50" charset="-127"/>
+              </a:rPr>
+              <a:t>1. </a:t>
+            </a:r>
+            <a:r>
+              <a:rPr lang="en-US" altLang="ko-KR" i="1" spc="-150" dirty="0">
+                <a:latin typeface="Arial Rounded MT Bold" panose="020F0704030504030204" pitchFamily="34" charset="0"/>
+                <a:ea typeface="스웨거 TTF" panose="020B0600000101010101" pitchFamily="50" charset="-127"/>
+              </a:rPr>
+              <a:t>Horror </a:t>
+            </a:r>
+            <a:r>
+              <a:rPr lang="en-US" altLang="ko-KR" spc="-150" dirty="0">
+                <a:latin typeface="Arial Rounded MT Bold" panose="020F0704030504030204" pitchFamily="34" charset="0"/>
+                <a:ea typeface="스웨거 TTF" panose="020B0600000101010101" pitchFamily="50" charset="-127"/>
+              </a:rPr>
+              <a:t> and </a:t>
+            </a:r>
+            <a:r>
+              <a:rPr lang="en-US" altLang="ko-KR" i="1" spc="-150" dirty="0">
+                <a:latin typeface="Arial Rounded MT Bold" panose="020F0704030504030204" pitchFamily="34" charset="0"/>
+                <a:ea typeface="스웨거 TTF" panose="020B0600000101010101" pitchFamily="50" charset="-127"/>
+              </a:rPr>
+              <a:t>Crime</a:t>
+            </a:r>
+            <a:r>
+              <a:rPr lang="en-US" altLang="ko-KR" spc="-150" dirty="0">
+                <a:latin typeface="Arial Rounded MT Bold" panose="020F0704030504030204" pitchFamily="34" charset="0"/>
+                <a:ea typeface="스웨거 TTF" panose="020B0600000101010101" pitchFamily="50" charset="-127"/>
+              </a:rPr>
+              <a:t>  genres were easy to make a success at 70s.</a:t>
+            </a:r>
+          </a:p>
+        </p:txBody>
+      </p:sp>
+      <p:sp>
+        <p:nvSpPr>
+          <p:cNvPr id="26" name="직사각형 25">
+            <a:extLst>
+              <a:ext uri="{FF2B5EF4-FFF2-40B4-BE49-F238E27FC236}">
+                <a16:creationId xmlns:a16="http://schemas.microsoft.com/office/drawing/2014/main" id="{65DFD91C-1448-40D0-B611-735580956FAB}"/>
+              </a:ext>
+            </a:extLst>
+          </p:cNvPr>
+          <p:cNvSpPr/>
+          <p:nvPr/>
+        </p:nvSpPr>
+        <p:spPr>
+          <a:xfrm>
+            <a:off x="7447207" y="2956984"/>
+            <a:ext cx="437496" cy="1450587"/>
+          </a:xfrm>
+          <a:prstGeom prst="rect">
+            <a:avLst/>
+          </a:prstGeom>
+          <a:noFill/>
+          <a:ln w="28575">
+            <a:solidFill>
+              <a:srgbClr val="FF0000"/>
+            </a:solidFill>
+          </a:ln>
+        </p:spPr>
+        <p:style>
+          <a:lnRef idx="2">
+            <a:schemeClr val="accent1">
+              <a:shade val="50000"/>
+            </a:schemeClr>
+          </a:lnRef>
+          <a:fillRef idx="1">
+            <a:schemeClr val="accent1"/>
+          </a:fillRef>
+          <a:effectRef idx="0">
+            <a:schemeClr val="accent1"/>
+          </a:effectRef>
+          <a:fontRef idx="minor">
+            <a:schemeClr val="lt1"/>
+          </a:fontRef>
+        </p:style>
+        <p:txBody>
+          <a:bodyPr rtlCol="0" anchor="ctr"/>
+          <a:lstStyle/>
+          <a:p>
+            <a:pPr algn="ctr"/>
+            <a:endParaRPr lang="ko-KR" altLang="en-US"/>
+          </a:p>
+        </p:txBody>
+      </p:sp>
+      <p:cxnSp>
+        <p:nvCxnSpPr>
+          <p:cNvPr id="27" name="직선 연결선 26">
+            <a:extLst>
+              <a:ext uri="{FF2B5EF4-FFF2-40B4-BE49-F238E27FC236}">
+                <a16:creationId xmlns:a16="http://schemas.microsoft.com/office/drawing/2014/main" id="{35BD64F5-9990-4E45-9391-1B1CBA84834C}"/>
+              </a:ext>
+            </a:extLst>
+          </p:cNvPr>
+          <p:cNvCxnSpPr>
+            <a:cxnSpLocks/>
+            <a:stCxn id="26" idx="2"/>
+          </p:cNvCxnSpPr>
+          <p:nvPr/>
+        </p:nvCxnSpPr>
+        <p:spPr>
+          <a:xfrm flipH="1">
+            <a:off x="5095524" y="4407571"/>
+            <a:ext cx="2570431" cy="629003"/>
+          </a:xfrm>
+          <a:prstGeom prst="line">
+            <a:avLst/>
+          </a:prstGeom>
+          <a:ln w="28575">
+            <a:solidFill>
+              <a:srgbClr val="FF0000"/>
+            </a:solidFill>
+          </a:ln>
+        </p:spPr>
+        <p:style>
+          <a:lnRef idx="1">
+            <a:schemeClr val="accent1"/>
+          </a:lnRef>
+          <a:fillRef idx="0">
+            <a:schemeClr val="accent1"/>
+          </a:fillRef>
+          <a:effectRef idx="0">
+            <a:schemeClr val="accent1"/>
+          </a:effectRef>
+          <a:fontRef idx="minor">
+            <a:schemeClr val="tx1"/>
+          </a:fontRef>
+        </p:style>
+      </p:cxnSp>
+    </p:spTree>
+    <p:extLst>
+      <p:ext uri="{BB962C8B-B14F-4D97-AF65-F5344CB8AC3E}">
+        <p14:creationId xmlns:p14="http://schemas.microsoft.com/office/powerpoint/2010/main" val="102774484"/>
+      </p:ext>
+    </p:extLst>
+  </p:cSld>
+  <p:clrMapOvr>
+    <a:masterClrMapping/>
+  </p:clrMapOvr>
+  <p:timing>
+    <p:tnLst>
+      <p:par>
+        <p:cTn id="1" dur="indefinite" restart="never" nodeType="tmRoot">
+          <p:childTnLst>
+            <p:seq concurrent="1" nextAc="seek">
+              <p:cTn id="2" dur="indefinite" nodeType="mainSeq">
+                <p:childTnLst>
+                  <p:par>
+                    <p:cTn id="3" fill="hold">
+                      <p:stCondLst>
+                        <p:cond delay="indefinite"/>
+                      </p:stCondLst>
+                      <p:childTnLst>
+                        <p:par>
+                          <p:cTn id="4" fill="hold">
+                            <p:stCondLst>
+                              <p:cond delay="0"/>
+                            </p:stCondLst>
+                            <p:childTnLst>
+                              <p:par>
+                                <p:cTn id="5" presetID="22" presetClass="entr" presetSubtype="4" fill="hold" grpId="0" nodeType="clickEffect">
+                                  <p:stCondLst>
+                                    <p:cond delay="0"/>
+                                  </p:stCondLst>
+                                  <p:childTnLst>
+                                    <p:set>
+                                      <p:cBhvr>
+                                        <p:cTn id="6" dur="1" fill="hold">
+                                          <p:stCondLst>
+                                            <p:cond delay="0"/>
+                                          </p:stCondLst>
+                                        </p:cTn>
+                                        <p:tgtEl>
+                                          <p:spTgt spid="17"/>
+                                        </p:tgtEl>
+                                        <p:attrNameLst>
+                                          <p:attrName>style.visibility</p:attrName>
+                                        </p:attrNameLst>
+                                      </p:cBhvr>
+                                      <p:to>
+                                        <p:strVal val="visible"/>
+                                      </p:to>
+                                    </p:set>
+                                    <p:animEffect transition="in" filter="wipe(down)">
+                                      <p:cBhvr>
+                                        <p:cTn id="7" dur="500"/>
+                                        <p:tgtEl>
+                                          <p:spTgt spid="17"/>
+                                        </p:tgtEl>
+                                      </p:cBhvr>
+                                    </p:animEffect>
+                                  </p:childTnLst>
+                                </p:cTn>
+                              </p:par>
+                              <p:par>
+                                <p:cTn id="8" presetID="22" presetClass="entr" presetSubtype="4" fill="hold" grpId="0" nodeType="withEffect">
+                                  <p:stCondLst>
+                                    <p:cond delay="0"/>
+                                  </p:stCondLst>
+                                  <p:childTnLst>
+                                    <p:set>
+                                      <p:cBhvr>
+                                        <p:cTn id="9" dur="1" fill="hold">
+                                          <p:stCondLst>
+                                            <p:cond delay="0"/>
+                                          </p:stCondLst>
+                                        </p:cTn>
+                                        <p:tgtEl>
+                                          <p:spTgt spid="26"/>
+                                        </p:tgtEl>
+                                        <p:attrNameLst>
+                                          <p:attrName>style.visibility</p:attrName>
+                                        </p:attrNameLst>
+                                      </p:cBhvr>
+                                      <p:to>
+                                        <p:strVal val="visible"/>
+                                      </p:to>
+                                    </p:set>
+                                    <p:animEffect transition="in" filter="wipe(down)">
+                                      <p:cBhvr>
+                                        <p:cTn id="10" dur="500"/>
+                                        <p:tgtEl>
+                                          <p:spTgt spid="26"/>
+                                        </p:tgtEl>
+                                      </p:cBhvr>
+                                    </p:animEffect>
+                                  </p:childTnLst>
+                                </p:cTn>
+                              </p:par>
+                            </p:childTnLst>
+                          </p:cTn>
+                        </p:par>
+                        <p:par>
+                          <p:cTn id="11" fill="hold">
+                            <p:stCondLst>
+                              <p:cond delay="500"/>
+                            </p:stCondLst>
+                            <p:childTnLst>
+                              <p:par>
+                                <p:cTn id="12" presetID="22" presetClass="entr" presetSubtype="1" fill="hold" nodeType="afterEffect">
+                                  <p:stCondLst>
+                                    <p:cond delay="0"/>
+                                  </p:stCondLst>
+                                  <p:childTnLst>
+                                    <p:set>
+                                      <p:cBhvr>
+                                        <p:cTn id="13" dur="1" fill="hold">
+                                          <p:stCondLst>
+                                            <p:cond delay="0"/>
+                                          </p:stCondLst>
+                                        </p:cTn>
+                                        <p:tgtEl>
+                                          <p:spTgt spid="18"/>
+                                        </p:tgtEl>
+                                        <p:attrNameLst>
+                                          <p:attrName>style.visibility</p:attrName>
+                                        </p:attrNameLst>
+                                      </p:cBhvr>
+                                      <p:to>
+                                        <p:strVal val="visible"/>
+                                      </p:to>
+                                    </p:set>
+                                    <p:animEffect transition="in" filter="wipe(up)">
+                                      <p:cBhvr>
+                                        <p:cTn id="14" dur="500"/>
+                                        <p:tgtEl>
+                                          <p:spTgt spid="18"/>
+                                        </p:tgtEl>
+                                      </p:cBhvr>
+                                    </p:animEffect>
+                                  </p:childTnLst>
+                                </p:cTn>
+                              </p:par>
+                              <p:par>
+                                <p:cTn id="15" presetID="22" presetClass="entr" presetSubtype="1" fill="hold" nodeType="withEffect">
+                                  <p:stCondLst>
+                                    <p:cond delay="0"/>
+                                  </p:stCondLst>
+                                  <p:childTnLst>
+                                    <p:set>
+                                      <p:cBhvr>
+                                        <p:cTn id="16" dur="1" fill="hold">
+                                          <p:stCondLst>
+                                            <p:cond delay="0"/>
+                                          </p:stCondLst>
+                                        </p:cTn>
+                                        <p:tgtEl>
+                                          <p:spTgt spid="27"/>
+                                        </p:tgtEl>
+                                        <p:attrNameLst>
+                                          <p:attrName>style.visibility</p:attrName>
+                                        </p:attrNameLst>
+                                      </p:cBhvr>
+                                      <p:to>
+                                        <p:strVal val="visible"/>
+                                      </p:to>
+                                    </p:set>
+                                    <p:animEffect transition="in" filter="wipe(up)">
+                                      <p:cBhvr>
+                                        <p:cTn id="17" dur="500"/>
+                                        <p:tgtEl>
+                                          <p:spTgt spid="27"/>
+                                        </p:tgtEl>
+                                      </p:cBhvr>
+                                    </p:animEffect>
+                                  </p:childTnLst>
+                                </p:cTn>
+                              </p:par>
+                              <p:par>
+                                <p:cTn id="18" presetID="22" presetClass="entr" presetSubtype="8" fill="hold" grpId="0" nodeType="withEffect">
+                                  <p:stCondLst>
+                                    <p:cond delay="0"/>
+                                  </p:stCondLst>
+                                  <p:childTnLst>
+                                    <p:set>
+                                      <p:cBhvr>
+                                        <p:cTn id="19" dur="1" fill="hold">
+                                          <p:stCondLst>
+                                            <p:cond delay="0"/>
+                                          </p:stCondLst>
+                                        </p:cTn>
+                                        <p:tgtEl>
+                                          <p:spTgt spid="19"/>
+                                        </p:tgtEl>
+                                        <p:attrNameLst>
+                                          <p:attrName>style.visibility</p:attrName>
+                                        </p:attrNameLst>
+                                      </p:cBhvr>
+                                      <p:to>
+                                        <p:strVal val="visible"/>
+                                      </p:to>
+                                    </p:set>
+                                    <p:animEffect transition="in" filter="wipe(left)">
+                                      <p:cBhvr>
+                                        <p:cTn id="20" dur="500"/>
+                                        <p:tgtEl>
+                                          <p:spTgt spid="19"/>
+                                        </p:tgtEl>
+                                      </p:cBhvr>
+                                    </p:animEffect>
+                                  </p:childTnLst>
+                                </p:cTn>
+                              </p:par>
+                            </p:childTnLst>
+                          </p:cTn>
+                        </p:par>
+                      </p:childTnLst>
+                    </p:cTn>
+                  </p:par>
+                </p:childTnLst>
+              </p:cTn>
+              <p:prevCondLst>
+                <p:cond evt="onPrev" delay="0">
+                  <p:tgtEl>
+                    <p:sldTgt/>
+                  </p:tgtEl>
+                </p:cond>
+              </p:prevCondLst>
+              <p:nextCondLst>
+                <p:cond evt="onNext" delay="0">
+                  <p:tgtEl>
+                    <p:sldTgt/>
+                  </p:tgtEl>
+                </p:cond>
+              </p:nextCondLst>
+            </p:seq>
+          </p:childTnLst>
+        </p:cTn>
+      </p:par>
+    </p:tnLst>
+    <p:bldLst>
+      <p:bldP spid="17" grpId="0" animBg="1"/>
+      <p:bldP spid="19" grpId="0"/>
+      <p:bldP spid="26" grpId="0" animBg="1"/>
+    </p:bldLst>
+  </p:timing>
+</p:sld>
+</file>
+
+<file path=ppt/slides/slide18.xml><?xml version="1.0" encoding="utf-8"?>
+<p:sld xmlns:a="http://schemas.openxmlformats.org/drawingml/2006/main" xmlns:r="http://schemas.openxmlformats.org/officeDocument/2006/relationships" xmlns:p="http://schemas.openxmlformats.org/presentationml/2006/main">
+  <p:cSld>
+    <p:spTree>
+      <p:nvGrpSpPr>
+        <p:cNvPr id="1" name=""/>
+        <p:cNvGrpSpPr/>
+        <p:nvPr/>
+      </p:nvGrpSpPr>
+      <p:grpSpPr>
+        <a:xfrm>
+          <a:off x="0" y="0"/>
+          <a:ext cx="0" cy="0"/>
+          <a:chOff x="0" y="0"/>
+          <a:chExt cx="0" cy="0"/>
+        </a:xfrm>
+      </p:grpSpPr>
       <p:sp>
         <p:nvSpPr>
           <p:cNvPr id="2" name="TextBox 1"/>
@@ -14080,7 +16539,7 @@
               <p:nvPr/>
             </p:nvPicPr>
             <p:blipFill>
-              <a:blip r:embed="rId2">
+              <a:blip r:embed="rId3">
                 <a:extLst>
                   <a:ext uri="{28A0092B-C50C-407E-A947-70E740481C1C}">
                     <a14:useLocalDpi xmlns:a14="http://schemas.microsoft.com/office/drawing/2010/main" val="0"/>
@@ -14275,7 +16734,7 @@
 </p:sld>
 </file>
 
-<file path=ppt/slides/slide18.xml><?xml version="1.0" encoding="utf-8"?>
+<file path=ppt/slides/slide19.xml><?xml version="1.0" encoding="utf-8"?>
 <p:sld xmlns:a="http://schemas.openxmlformats.org/drawingml/2006/main" xmlns:r="http://schemas.openxmlformats.org/officeDocument/2006/relationships" xmlns:p="http://schemas.openxmlformats.org/presentationml/2006/main">
   <p:cSld>
     <p:spTree>
@@ -14524,345 +16983,6 @@
     <p:extLst>
       <p:ext uri="{BB962C8B-B14F-4D97-AF65-F5344CB8AC3E}">
         <p14:creationId xmlns:p14="http://schemas.microsoft.com/office/powerpoint/2010/main" val="1270795676"/>
-      </p:ext>
-    </p:extLst>
-  </p:cSld>
-  <p:clrMapOvr>
-    <a:masterClrMapping/>
-  </p:clrMapOvr>
-</p:sld>
-</file>
-
-<file path=ppt/slides/slide19.xml><?xml version="1.0" encoding="utf-8"?>
-<p:sld xmlns:a="http://schemas.openxmlformats.org/drawingml/2006/main" xmlns:r="http://schemas.openxmlformats.org/officeDocument/2006/relationships" xmlns:p="http://schemas.openxmlformats.org/presentationml/2006/main">
-  <p:cSld>
-    <p:spTree>
-      <p:nvGrpSpPr>
-        <p:cNvPr id="1" name=""/>
-        <p:cNvGrpSpPr/>
-        <p:nvPr/>
-      </p:nvGrpSpPr>
-      <p:grpSpPr>
-        <a:xfrm>
-          <a:off x="0" y="0"/>
-          <a:ext cx="0" cy="0"/>
-          <a:chOff x="0" y="0"/>
-          <a:chExt cx="0" cy="0"/>
-        </a:xfrm>
-      </p:grpSpPr>
-      <p:sp>
-        <p:nvSpPr>
-          <p:cNvPr id="2" name="TextBox 1"/>
-          <p:cNvSpPr txBox="1"/>
-          <p:nvPr/>
-        </p:nvSpPr>
-        <p:spPr>
-          <a:xfrm>
-            <a:off x="0" y="899611"/>
-            <a:ext cx="1695635" cy="369332"/>
-          </a:xfrm>
-          <a:prstGeom prst="rect">
-            <a:avLst/>
-          </a:prstGeom>
-          <a:noFill/>
-          <a:scene3d>
-            <a:camera prst="obliqueBottomLeft"/>
-            <a:lightRig rig="threePt" dir="t"/>
-          </a:scene3d>
-        </p:spPr>
-        <p:txBody>
-          <a:bodyPr wrap="square" rtlCol="0">
-            <a:spAutoFit/>
-          </a:bodyPr>
-          <a:lstStyle/>
-          <a:p>
-            <a:r>
-              <a:rPr lang="es-ES" altLang="ko-KR" spc="-150" dirty="0" err="1">
-                <a:solidFill>
-                  <a:schemeClr val="bg1">
-                    <a:lumMod val="95000"/>
-                  </a:schemeClr>
-                </a:solidFill>
-                <a:latin typeface="배달의민족 한나" panose="02020603020101020101" pitchFamily="18" charset="-127"/>
-                <a:ea typeface="배달의민족 한나" panose="02020603020101020101" pitchFamily="18" charset="-127"/>
-              </a:rPr>
-              <a:t>Conclusion</a:t>
-            </a:r>
-            <a:endParaRPr lang="es-ES" altLang="ko-KR" spc="-150" dirty="0">
-              <a:solidFill>
-                <a:schemeClr val="bg1">
-                  <a:lumMod val="95000"/>
-                </a:schemeClr>
-              </a:solidFill>
-              <a:latin typeface="배달의민족 한나" panose="02020603020101020101" pitchFamily="18" charset="-127"/>
-              <a:ea typeface="배달의민족 한나" panose="02020603020101020101" pitchFamily="18" charset="-127"/>
-            </a:endParaRPr>
-          </a:p>
-        </p:txBody>
-      </p:sp>
-      <p:sp>
-        <p:nvSpPr>
-          <p:cNvPr id="4" name="TextBox 3"/>
-          <p:cNvSpPr txBox="1"/>
-          <p:nvPr/>
-        </p:nvSpPr>
-        <p:spPr>
-          <a:xfrm>
-            <a:off x="1775534" y="684168"/>
-            <a:ext cx="7022237" cy="584775"/>
-          </a:xfrm>
-          <a:prstGeom prst="rect">
-            <a:avLst/>
-          </a:prstGeom>
-          <a:noFill/>
-          <a:scene3d>
-            <a:camera prst="obliqueBottomLeft"/>
-            <a:lightRig rig="threePt" dir="t"/>
-          </a:scene3d>
-        </p:spPr>
-        <p:txBody>
-          <a:bodyPr wrap="square" rtlCol="0">
-            <a:spAutoFit/>
-          </a:bodyPr>
-          <a:lstStyle/>
-          <a:p>
-            <a:pPr algn="ctr"/>
-            <a:r>
-              <a:rPr lang="en-US" altLang="ko-KR" sz="3200" spc="-150" dirty="0">
-                <a:solidFill>
-                  <a:schemeClr val="bg1">
-                    <a:lumMod val="95000"/>
-                  </a:schemeClr>
-                </a:solidFill>
-                <a:latin typeface="배달의민족 한나" panose="02020603020101020101" pitchFamily="18" charset="-127"/>
-                <a:ea typeface="배달의민족 한나" panose="02020603020101020101" pitchFamily="18" charset="-127"/>
-              </a:rPr>
-              <a:t>[</a:t>
-            </a:r>
-            <a:r>
-              <a:rPr lang="ko-KR" altLang="en-US" sz="3200" spc="-150" dirty="0">
-                <a:solidFill>
-                  <a:schemeClr val="bg1">
-                    <a:lumMod val="95000"/>
-                  </a:schemeClr>
-                </a:solidFill>
-                <a:latin typeface="배달의민족 한나" panose="02020603020101020101" pitchFamily="18" charset="-127"/>
-                <a:ea typeface="배달의민족 한나" panose="02020603020101020101" pitchFamily="18" charset="-127"/>
-              </a:rPr>
-              <a:t>제목</a:t>
-            </a:r>
-            <a:r>
-              <a:rPr lang="en-US" altLang="ko-KR" sz="3200" spc="-150" dirty="0">
-                <a:solidFill>
-                  <a:schemeClr val="bg1">
-                    <a:lumMod val="95000"/>
-                  </a:schemeClr>
-                </a:solidFill>
-                <a:latin typeface="배달의민족 한나" panose="02020603020101020101" pitchFamily="18" charset="-127"/>
-                <a:ea typeface="배달의민족 한나" panose="02020603020101020101" pitchFamily="18" charset="-127"/>
-              </a:rPr>
-              <a:t>]</a:t>
-            </a:r>
-            <a:endParaRPr lang="ko-KR" altLang="en-US" sz="3200" spc="-150" dirty="0">
-              <a:solidFill>
-                <a:schemeClr val="bg1">
-                  <a:lumMod val="95000"/>
-                </a:schemeClr>
-              </a:solidFill>
-              <a:latin typeface="배달의민족 한나" panose="02020603020101020101" pitchFamily="18" charset="-127"/>
-              <a:ea typeface="배달의민족 한나" panose="02020603020101020101" pitchFamily="18" charset="-127"/>
-            </a:endParaRPr>
-          </a:p>
-        </p:txBody>
-      </p:sp>
-      <p:sp>
-        <p:nvSpPr>
-          <p:cNvPr id="5" name="TextBox 4"/>
-          <p:cNvSpPr txBox="1"/>
-          <p:nvPr/>
-        </p:nvSpPr>
-        <p:spPr>
-          <a:xfrm>
-            <a:off x="1" y="637424"/>
-            <a:ext cx="585926" cy="400110"/>
-          </a:xfrm>
-          <a:prstGeom prst="rect">
-            <a:avLst/>
-          </a:prstGeom>
-          <a:noFill/>
-          <a:scene3d>
-            <a:camera prst="obliqueBottomLeft"/>
-            <a:lightRig rig="threePt" dir="t"/>
-          </a:scene3d>
-        </p:spPr>
-        <p:txBody>
-          <a:bodyPr wrap="square" rtlCol="0">
-            <a:spAutoFit/>
-          </a:bodyPr>
-          <a:lstStyle/>
-          <a:p>
-            <a:r>
-              <a:rPr lang="en-US" altLang="ko-KR" sz="2000" b="1" dirty="0">
-                <a:solidFill>
-                  <a:schemeClr val="bg1">
-                    <a:lumMod val="65000"/>
-                  </a:schemeClr>
-                </a:solidFill>
-                <a:latin typeface="배달의민족 한나" panose="02020603020101020101" pitchFamily="18" charset="-127"/>
-                <a:ea typeface="배달의민족 한나" panose="02020603020101020101" pitchFamily="18" charset="-127"/>
-              </a:rPr>
-              <a:t>0</a:t>
-            </a:r>
-            <a:r>
-              <a:rPr lang="en-US" altLang="ko-KR" sz="2000" b="1" dirty="0">
-                <a:solidFill>
-                  <a:schemeClr val="bg1">
-                    <a:lumMod val="95000"/>
-                  </a:schemeClr>
-                </a:solidFill>
-                <a:latin typeface="배달의민족 한나" panose="02020603020101020101" pitchFamily="18" charset="-127"/>
-                <a:ea typeface="배달의민족 한나" panose="02020603020101020101" pitchFamily="18" charset="-127"/>
-              </a:rPr>
-              <a:t>5</a:t>
-            </a:r>
-            <a:endParaRPr lang="ko-KR" altLang="en-US" sz="2000" b="1" dirty="0">
-              <a:solidFill>
-                <a:schemeClr val="bg1">
-                  <a:lumMod val="95000"/>
-                </a:schemeClr>
-              </a:solidFill>
-              <a:latin typeface="배달의민족 한나" panose="02020603020101020101" pitchFamily="18" charset="-127"/>
-              <a:ea typeface="배달의민족 한나" panose="02020603020101020101" pitchFamily="18" charset="-127"/>
-            </a:endParaRPr>
-          </a:p>
-        </p:txBody>
-      </p:sp>
-      <p:sp>
-        <p:nvSpPr>
-          <p:cNvPr id="8" name="TextBox 7"/>
-          <p:cNvSpPr txBox="1"/>
-          <p:nvPr/>
-        </p:nvSpPr>
-        <p:spPr>
-          <a:xfrm>
-            <a:off x="2267058" y="3584669"/>
-            <a:ext cx="4777063" cy="369332"/>
-          </a:xfrm>
-          <a:prstGeom prst="rect">
-            <a:avLst/>
-          </a:prstGeom>
-          <a:noFill/>
-          <a:scene3d>
-            <a:camera prst="obliqueBottomLeft"/>
-            <a:lightRig rig="threePt" dir="t"/>
-          </a:scene3d>
-        </p:spPr>
-        <p:txBody>
-          <a:bodyPr wrap="square" rtlCol="0">
-            <a:spAutoFit/>
-          </a:bodyPr>
-          <a:lstStyle/>
-          <a:p>
-            <a:pPr algn="ctr"/>
-            <a:r>
-              <a:rPr lang="ko-KR" altLang="en-US" b="1" spc="-150" dirty="0">
-                <a:solidFill>
-                  <a:schemeClr val="bg1"/>
-                </a:solidFill>
-                <a:latin typeface="배달의민족 한나" panose="02020603020101020101" pitchFamily="18" charset="-127"/>
-                <a:ea typeface="배달의민족 한나" panose="02020603020101020101" pitchFamily="18" charset="-127"/>
-              </a:rPr>
-              <a:t>슬라이드에 어울리는 적절한 내용으로 채워주세요</a:t>
-            </a:r>
-          </a:p>
-        </p:txBody>
-      </p:sp>
-      <p:pic>
-        <p:nvPicPr>
-          <p:cNvPr id="10" name="그림 9"/>
-          <p:cNvPicPr>
-            <a:picLocks noChangeAspect="1"/>
-          </p:cNvPicPr>
-          <p:nvPr/>
-        </p:nvPicPr>
-        <p:blipFill>
-          <a:blip r:embed="rId2" cstate="print">
-            <a:extLst>
-              <a:ext uri="{28A0092B-C50C-407E-A947-70E740481C1C}">
-                <a14:useLocalDpi xmlns:a14="http://schemas.microsoft.com/office/drawing/2010/main" val="0"/>
-              </a:ext>
-            </a:extLst>
-          </a:blip>
-          <a:stretch>
-            <a:fillRect/>
-          </a:stretch>
-        </p:blipFill>
-        <p:spPr>
-          <a:xfrm>
-            <a:off x="4324885" y="3027368"/>
-            <a:ext cx="494229" cy="494229"/>
-          </a:xfrm>
-          <a:prstGeom prst="rect">
-            <a:avLst/>
-          </a:prstGeom>
-        </p:spPr>
-      </p:pic>
-      <p:sp>
-        <p:nvSpPr>
-          <p:cNvPr id="7" name="직사각형 6">
-            <a:extLst>
-              <a:ext uri="{FF2B5EF4-FFF2-40B4-BE49-F238E27FC236}">
-                <a16:creationId xmlns:a16="http://schemas.microsoft.com/office/drawing/2014/main" id="{1CA5AF71-434C-46C8-B04D-4137449EA90C}"/>
-              </a:ext>
-            </a:extLst>
-          </p:cNvPr>
-          <p:cNvSpPr/>
-          <p:nvPr/>
-        </p:nvSpPr>
-        <p:spPr>
-          <a:xfrm>
-            <a:off x="2237172" y="6392135"/>
-            <a:ext cx="4900474" cy="266330"/>
-          </a:xfrm>
-          <a:prstGeom prst="rect">
-            <a:avLst/>
-          </a:prstGeom>
-          <a:solidFill>
-            <a:srgbClr val="595959"/>
-          </a:solidFill>
-          <a:ln>
-            <a:noFill/>
-          </a:ln>
-        </p:spPr>
-        <p:style>
-          <a:lnRef idx="2">
-            <a:schemeClr val="accent1">
-              <a:shade val="50000"/>
-            </a:schemeClr>
-          </a:lnRef>
-          <a:fillRef idx="1">
-            <a:schemeClr val="accent1"/>
-          </a:fillRef>
-          <a:effectRef idx="0">
-            <a:schemeClr val="accent1"/>
-          </a:effectRef>
-          <a:fontRef idx="minor">
-            <a:schemeClr val="lt1"/>
-          </a:fontRef>
-        </p:style>
-        <p:txBody>
-          <a:bodyPr rtlCol="0" anchor="ctr"/>
-          <a:lstStyle/>
-          <a:p>
-            <a:pPr algn="ctr"/>
-            <a:endParaRPr lang="ko-KR" altLang="en-US"/>
-          </a:p>
-        </p:txBody>
-      </p:sp>
-    </p:spTree>
-    <p:extLst>
-      <p:ext uri="{BB962C8B-B14F-4D97-AF65-F5344CB8AC3E}">
-        <p14:creationId xmlns:p14="http://schemas.microsoft.com/office/powerpoint/2010/main" val="2734413557"/>
       </p:ext>
     </p:extLst>
   </p:cSld>
@@ -15853,6 +17973,446 @@
     <p:extLst>
       <p:ext uri="{BB962C8B-B14F-4D97-AF65-F5344CB8AC3E}">
         <p14:creationId xmlns:p14="http://schemas.microsoft.com/office/powerpoint/2010/main" val="20008462"/>
+      </p:ext>
+    </p:extLst>
+  </p:cSld>
+  <p:clrMapOvr>
+    <a:masterClrMapping/>
+  </p:clrMapOvr>
+</p:sld>
+</file>
+
+<file path=ppt/slides/slide20.xml><?xml version="1.0" encoding="utf-8"?>
+<p:sld xmlns:a="http://schemas.openxmlformats.org/drawingml/2006/main" xmlns:r="http://schemas.openxmlformats.org/officeDocument/2006/relationships" xmlns:p="http://schemas.openxmlformats.org/presentationml/2006/main">
+  <p:cSld>
+    <p:spTree>
+      <p:nvGrpSpPr>
+        <p:cNvPr id="1" name=""/>
+        <p:cNvGrpSpPr/>
+        <p:nvPr/>
+      </p:nvGrpSpPr>
+      <p:grpSpPr>
+        <a:xfrm>
+          <a:off x="0" y="0"/>
+          <a:ext cx="0" cy="0"/>
+          <a:chOff x="0" y="0"/>
+          <a:chExt cx="0" cy="0"/>
+        </a:xfrm>
+      </p:grpSpPr>
+      <p:sp>
+        <p:nvSpPr>
+          <p:cNvPr id="2" name="TextBox 1"/>
+          <p:cNvSpPr txBox="1"/>
+          <p:nvPr/>
+        </p:nvSpPr>
+        <p:spPr>
+          <a:xfrm>
+            <a:off x="0" y="899611"/>
+            <a:ext cx="1695635" cy="369332"/>
+          </a:xfrm>
+          <a:prstGeom prst="rect">
+            <a:avLst/>
+          </a:prstGeom>
+          <a:noFill/>
+          <a:scene3d>
+            <a:camera prst="obliqueBottomLeft"/>
+            <a:lightRig rig="threePt" dir="t"/>
+          </a:scene3d>
+        </p:spPr>
+        <p:txBody>
+          <a:bodyPr wrap="square" rtlCol="0">
+            <a:spAutoFit/>
+          </a:bodyPr>
+          <a:lstStyle/>
+          <a:p>
+            <a:r>
+              <a:rPr lang="es-ES" altLang="ko-KR" spc="-150" dirty="0" err="1">
+                <a:solidFill>
+                  <a:schemeClr val="bg1">
+                    <a:lumMod val="95000"/>
+                  </a:schemeClr>
+                </a:solidFill>
+                <a:latin typeface="배달의민족 한나" panose="02020603020101020101" pitchFamily="18" charset="-127"/>
+                <a:ea typeface="배달의민족 한나" panose="02020603020101020101" pitchFamily="18" charset="-127"/>
+              </a:rPr>
+              <a:t>Conclusion</a:t>
+            </a:r>
+            <a:endParaRPr lang="es-ES" altLang="ko-KR" spc="-150" dirty="0">
+              <a:solidFill>
+                <a:schemeClr val="bg1">
+                  <a:lumMod val="95000"/>
+                </a:schemeClr>
+              </a:solidFill>
+              <a:latin typeface="배달의민족 한나" panose="02020603020101020101" pitchFamily="18" charset="-127"/>
+              <a:ea typeface="배달의민족 한나" panose="02020603020101020101" pitchFamily="18" charset="-127"/>
+            </a:endParaRPr>
+          </a:p>
+        </p:txBody>
+      </p:sp>
+      <p:sp>
+        <p:nvSpPr>
+          <p:cNvPr id="5" name="TextBox 4"/>
+          <p:cNvSpPr txBox="1"/>
+          <p:nvPr/>
+        </p:nvSpPr>
+        <p:spPr>
+          <a:xfrm>
+            <a:off x="1" y="637424"/>
+            <a:ext cx="585926" cy="400110"/>
+          </a:xfrm>
+          <a:prstGeom prst="rect">
+            <a:avLst/>
+          </a:prstGeom>
+          <a:noFill/>
+          <a:scene3d>
+            <a:camera prst="obliqueBottomLeft"/>
+            <a:lightRig rig="threePt" dir="t"/>
+          </a:scene3d>
+        </p:spPr>
+        <p:txBody>
+          <a:bodyPr wrap="square" rtlCol="0">
+            <a:spAutoFit/>
+          </a:bodyPr>
+          <a:lstStyle/>
+          <a:p>
+            <a:r>
+              <a:rPr lang="en-US" altLang="ko-KR" sz="2000" b="1" dirty="0">
+                <a:solidFill>
+                  <a:schemeClr val="bg1">
+                    <a:lumMod val="65000"/>
+                  </a:schemeClr>
+                </a:solidFill>
+                <a:latin typeface="배달의민족 한나" panose="02020603020101020101" pitchFamily="18" charset="-127"/>
+                <a:ea typeface="배달의민족 한나" panose="02020603020101020101" pitchFamily="18" charset="-127"/>
+              </a:rPr>
+              <a:t>0</a:t>
+            </a:r>
+            <a:r>
+              <a:rPr lang="en-US" altLang="ko-KR" sz="2000" b="1" dirty="0">
+                <a:solidFill>
+                  <a:schemeClr val="bg1">
+                    <a:lumMod val="95000"/>
+                  </a:schemeClr>
+                </a:solidFill>
+                <a:latin typeface="배달의민족 한나" panose="02020603020101020101" pitchFamily="18" charset="-127"/>
+                <a:ea typeface="배달의민족 한나" panose="02020603020101020101" pitchFamily="18" charset="-127"/>
+              </a:rPr>
+              <a:t>5</a:t>
+            </a:r>
+            <a:endParaRPr lang="ko-KR" altLang="en-US" sz="2000" b="1" dirty="0">
+              <a:solidFill>
+                <a:schemeClr val="bg1">
+                  <a:lumMod val="95000"/>
+                </a:schemeClr>
+              </a:solidFill>
+              <a:latin typeface="배달의민족 한나" panose="02020603020101020101" pitchFamily="18" charset="-127"/>
+              <a:ea typeface="배달의민족 한나" panose="02020603020101020101" pitchFamily="18" charset="-127"/>
+            </a:endParaRPr>
+          </a:p>
+        </p:txBody>
+      </p:sp>
+      <p:sp>
+        <p:nvSpPr>
+          <p:cNvPr id="8" name="TextBox 7"/>
+          <p:cNvSpPr txBox="1"/>
+          <p:nvPr/>
+        </p:nvSpPr>
+        <p:spPr>
+          <a:xfrm>
+            <a:off x="2183468" y="2136338"/>
+            <a:ext cx="4777063" cy="2585323"/>
+          </a:xfrm>
+          <a:prstGeom prst="rect">
+            <a:avLst/>
+          </a:prstGeom>
+          <a:solidFill>
+            <a:schemeClr val="bg1"/>
+          </a:solidFill>
+          <a:ln>
+            <a:solidFill>
+              <a:schemeClr val="tx1"/>
+            </a:solidFill>
+          </a:ln>
+          <a:scene3d>
+            <a:camera prst="obliqueBottomLeft"/>
+            <a:lightRig rig="threePt" dir="t"/>
+          </a:scene3d>
+        </p:spPr>
+        <p:txBody>
+          <a:bodyPr wrap="square" rtlCol="0">
+            <a:spAutoFit/>
+          </a:bodyPr>
+          <a:lstStyle/>
+          <a:p>
+            <a:pPr marL="342900" indent="-342900">
+              <a:buAutoNum type="arabicPeriod"/>
+            </a:pPr>
+            <a:endParaRPr lang="en-US" altLang="ko-KR" spc="-150" dirty="0">
+              <a:latin typeface="HY헤드라인M" panose="02030600000101010101" pitchFamily="18" charset="-127"/>
+              <a:ea typeface="HY헤드라인M" panose="02030600000101010101" pitchFamily="18" charset="-127"/>
+            </a:endParaRPr>
+          </a:p>
+          <a:p>
+            <a:pPr marL="342900" indent="-342900">
+              <a:buAutoNum type="arabicPeriod"/>
+            </a:pPr>
+            <a:r>
+              <a:rPr lang="ko-KR" altLang="en-US" spc="-150" dirty="0">
+                <a:latin typeface="HY헤드라인M" panose="02030600000101010101" pitchFamily="18" charset="-127"/>
+                <a:ea typeface="HY헤드라인M" panose="02030600000101010101" pitchFamily="18" charset="-127"/>
+              </a:rPr>
+              <a:t>영화 산업 수익을 분석</a:t>
+            </a:r>
+            <a:endParaRPr lang="en-US" altLang="ko-KR" spc="-150" dirty="0">
+              <a:latin typeface="HY헤드라인M" panose="02030600000101010101" pitchFamily="18" charset="-127"/>
+              <a:ea typeface="HY헤드라인M" panose="02030600000101010101" pitchFamily="18" charset="-127"/>
+            </a:endParaRPr>
+          </a:p>
+          <a:p>
+            <a:pPr marL="342900" indent="-342900">
+              <a:buAutoNum type="arabicPeriod"/>
+            </a:pPr>
+            <a:endParaRPr lang="en-US" altLang="ko-KR" spc="-150" dirty="0">
+              <a:latin typeface="HY헤드라인M" panose="02030600000101010101" pitchFamily="18" charset="-127"/>
+              <a:ea typeface="HY헤드라인M" panose="02030600000101010101" pitchFamily="18" charset="-127"/>
+            </a:endParaRPr>
+          </a:p>
+          <a:p>
+            <a:pPr marL="342900" indent="-342900">
+              <a:buAutoNum type="arabicPeriod"/>
+            </a:pPr>
+            <a:r>
+              <a:rPr lang="ko-KR" altLang="en-US" spc="-150" dirty="0">
+                <a:latin typeface="HY헤드라인M" panose="02030600000101010101" pitchFamily="18" charset="-127"/>
+                <a:ea typeface="HY헤드라인M" panose="02030600000101010101" pitchFamily="18" charset="-127"/>
+              </a:rPr>
+              <a:t>저 예산 영화 </a:t>
+            </a:r>
+            <a:r>
+              <a:rPr lang="en-US" altLang="ko-KR" spc="-150" dirty="0">
+                <a:latin typeface="HY헤드라인M" panose="02030600000101010101" pitchFamily="18" charset="-127"/>
+                <a:ea typeface="HY헤드라인M" panose="02030600000101010101" pitchFamily="18" charset="-127"/>
+              </a:rPr>
+              <a:t>-&gt; </a:t>
+            </a:r>
+            <a:r>
+              <a:rPr lang="ko-KR" altLang="en-US" spc="-150" dirty="0">
+                <a:latin typeface="HY헤드라인M" panose="02030600000101010101" pitchFamily="18" charset="-127"/>
+                <a:ea typeface="HY헤드라인M" panose="02030600000101010101" pitchFamily="18" charset="-127"/>
+              </a:rPr>
+              <a:t>높은 기대 수익률</a:t>
+            </a:r>
+            <a:r>
+              <a:rPr lang="en-US" altLang="ko-KR" spc="-150" dirty="0">
+                <a:latin typeface="HY헤드라인M" panose="02030600000101010101" pitchFamily="18" charset="-127"/>
+                <a:ea typeface="HY헤드라인M" panose="02030600000101010101" pitchFamily="18" charset="-127"/>
+              </a:rPr>
+              <a:t>.</a:t>
+            </a:r>
+          </a:p>
+          <a:p>
+            <a:pPr marL="342900" indent="-342900">
+              <a:buAutoNum type="arabicPeriod"/>
+            </a:pPr>
+            <a:endParaRPr lang="en-US" altLang="ko-KR" spc="-150" dirty="0">
+              <a:latin typeface="HY헤드라인M" panose="02030600000101010101" pitchFamily="18" charset="-127"/>
+              <a:ea typeface="HY헤드라인M" panose="02030600000101010101" pitchFamily="18" charset="-127"/>
+            </a:endParaRPr>
+          </a:p>
+          <a:p>
+            <a:pPr marL="342900" indent="-342900">
+              <a:buAutoNum type="arabicPeriod"/>
+            </a:pPr>
+            <a:r>
+              <a:rPr lang="ko-KR" altLang="en-US" spc="-150" dirty="0">
+                <a:latin typeface="HY헤드라인M" panose="02030600000101010101" pitchFamily="18" charset="-127"/>
+                <a:ea typeface="HY헤드라인M" panose="02030600000101010101" pitchFamily="18" charset="-127"/>
+              </a:rPr>
+              <a:t>예산과 평점은 관련이 없다</a:t>
+            </a:r>
+            <a:r>
+              <a:rPr lang="en-US" altLang="ko-KR" spc="-150" dirty="0">
+                <a:latin typeface="HY헤드라인M" panose="02030600000101010101" pitchFamily="18" charset="-127"/>
+                <a:ea typeface="HY헤드라인M" panose="02030600000101010101" pitchFamily="18" charset="-127"/>
+              </a:rPr>
+              <a:t>.</a:t>
+            </a:r>
+          </a:p>
+          <a:p>
+            <a:pPr marL="342900" indent="-342900">
+              <a:buAutoNum type="arabicPeriod"/>
+            </a:pPr>
+            <a:endParaRPr lang="en-US" altLang="ko-KR" spc="-150" dirty="0">
+              <a:latin typeface="HY헤드라인M" panose="02030600000101010101" pitchFamily="18" charset="-127"/>
+              <a:ea typeface="HY헤드라인M" panose="02030600000101010101" pitchFamily="18" charset="-127"/>
+            </a:endParaRPr>
+          </a:p>
+          <a:p>
+            <a:pPr marL="342900" indent="-342900">
+              <a:buAutoNum type="arabicPeriod"/>
+            </a:pPr>
+            <a:r>
+              <a:rPr lang="ko-KR" altLang="en-US" spc="-150" dirty="0">
+                <a:latin typeface="HY헤드라인M" panose="02030600000101010101" pitchFamily="18" charset="-127"/>
+                <a:ea typeface="HY헤드라인M" panose="02030600000101010101" pitchFamily="18" charset="-127"/>
+              </a:rPr>
+              <a:t>시대에 따른 고수익 장르 존재</a:t>
+            </a:r>
+            <a:r>
+              <a:rPr lang="en-US" altLang="ko-KR" spc="-150" dirty="0">
+                <a:latin typeface="HY헤드라인M" panose="02030600000101010101" pitchFamily="18" charset="-127"/>
+                <a:ea typeface="HY헤드라인M" panose="02030600000101010101" pitchFamily="18" charset="-127"/>
+              </a:rPr>
+              <a:t>.</a:t>
+            </a:r>
+          </a:p>
+          <a:p>
+            <a:pPr marL="342900" indent="-342900">
+              <a:buAutoNum type="arabicPeriod"/>
+            </a:pPr>
+            <a:endParaRPr lang="en-US" altLang="ko-KR" spc="-150" dirty="0">
+              <a:latin typeface="HY헤드라인M" panose="02030600000101010101" pitchFamily="18" charset="-127"/>
+              <a:ea typeface="HY헤드라인M" panose="02030600000101010101" pitchFamily="18" charset="-127"/>
+            </a:endParaRPr>
+          </a:p>
+        </p:txBody>
+      </p:sp>
+      <p:sp>
+        <p:nvSpPr>
+          <p:cNvPr id="7" name="직사각형 6">
+            <a:extLst>
+              <a:ext uri="{FF2B5EF4-FFF2-40B4-BE49-F238E27FC236}">
+                <a16:creationId xmlns:a16="http://schemas.microsoft.com/office/drawing/2014/main" id="{1CA5AF71-434C-46C8-B04D-4137449EA90C}"/>
+              </a:ext>
+            </a:extLst>
+          </p:cNvPr>
+          <p:cNvSpPr/>
+          <p:nvPr/>
+        </p:nvSpPr>
+        <p:spPr>
+          <a:xfrm>
+            <a:off x="2237172" y="6392135"/>
+            <a:ext cx="4900474" cy="266330"/>
+          </a:xfrm>
+          <a:prstGeom prst="rect">
+            <a:avLst/>
+          </a:prstGeom>
+          <a:solidFill>
+            <a:srgbClr val="595959"/>
+          </a:solidFill>
+          <a:ln>
+            <a:noFill/>
+          </a:ln>
+        </p:spPr>
+        <p:style>
+          <a:lnRef idx="2">
+            <a:schemeClr val="accent1">
+              <a:shade val="50000"/>
+            </a:schemeClr>
+          </a:lnRef>
+          <a:fillRef idx="1">
+            <a:schemeClr val="accent1"/>
+          </a:fillRef>
+          <a:effectRef idx="0">
+            <a:schemeClr val="accent1"/>
+          </a:effectRef>
+          <a:fontRef idx="minor">
+            <a:schemeClr val="lt1"/>
+          </a:fontRef>
+        </p:style>
+        <p:txBody>
+          <a:bodyPr rtlCol="0" anchor="ctr"/>
+          <a:lstStyle/>
+          <a:p>
+            <a:pPr algn="ctr"/>
+            <a:endParaRPr lang="ko-KR" altLang="en-US"/>
+          </a:p>
+        </p:txBody>
+      </p:sp>
+    </p:spTree>
+    <p:extLst>
+      <p:ext uri="{BB962C8B-B14F-4D97-AF65-F5344CB8AC3E}">
+        <p14:creationId xmlns:p14="http://schemas.microsoft.com/office/powerpoint/2010/main" val="2734413557"/>
+      </p:ext>
+    </p:extLst>
+  </p:cSld>
+  <p:clrMapOvr>
+    <a:masterClrMapping/>
+  </p:clrMapOvr>
+</p:sld>
+</file>
+
+<file path=ppt/slides/slide21.xml><?xml version="1.0" encoding="utf-8"?>
+<p:sld xmlns:a="http://schemas.openxmlformats.org/drawingml/2006/main" xmlns:r="http://schemas.openxmlformats.org/officeDocument/2006/relationships" xmlns:p="http://schemas.openxmlformats.org/presentationml/2006/main">
+  <p:cSld>
+    <p:spTree>
+      <p:nvGrpSpPr>
+        <p:cNvPr id="1" name=""/>
+        <p:cNvGrpSpPr/>
+        <p:nvPr/>
+      </p:nvGrpSpPr>
+      <p:grpSpPr>
+        <a:xfrm>
+          <a:off x="0" y="0"/>
+          <a:ext cx="0" cy="0"/>
+          <a:chOff x="0" y="0"/>
+          <a:chExt cx="0" cy="0"/>
+        </a:xfrm>
+      </p:grpSpPr>
+      <p:sp>
+        <p:nvSpPr>
+          <p:cNvPr id="2" name="TextBox 1">
+            <a:extLst>
+              <a:ext uri="{FF2B5EF4-FFF2-40B4-BE49-F238E27FC236}">
+                <a16:creationId xmlns:a16="http://schemas.microsoft.com/office/drawing/2014/main" id="{4F76427F-C3EF-49B7-83A7-B1A8E91CD0B3}"/>
+              </a:ext>
+            </a:extLst>
+          </p:cNvPr>
+          <p:cNvSpPr txBox="1"/>
+          <p:nvPr/>
+        </p:nvSpPr>
+        <p:spPr>
+          <a:xfrm>
+            <a:off x="2183468" y="3105834"/>
+            <a:ext cx="4777063" cy="646331"/>
+          </a:xfrm>
+          <a:prstGeom prst="rect">
+            <a:avLst/>
+          </a:prstGeom>
+          <a:solidFill>
+            <a:schemeClr val="bg1"/>
+          </a:solidFill>
+          <a:ln>
+            <a:solidFill>
+              <a:schemeClr val="tx1"/>
+            </a:solidFill>
+          </a:ln>
+          <a:scene3d>
+            <a:camera prst="obliqueBottomLeft"/>
+            <a:lightRig rig="threePt" dir="t"/>
+          </a:scene3d>
+        </p:spPr>
+        <p:txBody>
+          <a:bodyPr wrap="square" rtlCol="0">
+            <a:spAutoFit/>
+          </a:bodyPr>
+          <a:lstStyle/>
+          <a:p>
+            <a:pPr algn="ctr"/>
+            <a:r>
+              <a:rPr lang="en-US" altLang="ko-KR" sz="3600" spc="-150" dirty="0">
+                <a:latin typeface="HY헤드라인M" panose="02030600000101010101" pitchFamily="18" charset="-127"/>
+                <a:ea typeface="HY헤드라인M" panose="02030600000101010101" pitchFamily="18" charset="-127"/>
+              </a:rPr>
+              <a:t>Thanks</a:t>
+            </a:r>
+          </a:p>
+        </p:txBody>
+      </p:sp>
+    </p:spTree>
+    <p:extLst>
+      <p:ext uri="{BB962C8B-B14F-4D97-AF65-F5344CB8AC3E}">
+        <p14:creationId xmlns:p14="http://schemas.microsoft.com/office/powerpoint/2010/main" val="2095949217"/>
       </p:ext>
     </p:extLst>
   </p:cSld>
@@ -20233,6 +22793,301 @@
         <a:srgbClr val="E7E6E6"/>
       </a:lt2>
       <a:accent1>
+        <a:srgbClr val="4472C4"/>
+      </a:accent1>
+      <a:accent2>
+        <a:srgbClr val="ED7D31"/>
+      </a:accent2>
+      <a:accent3>
+        <a:srgbClr val="A5A5A5"/>
+      </a:accent3>
+      <a:accent4>
+        <a:srgbClr val="FFC000"/>
+      </a:accent4>
+      <a:accent5>
+        <a:srgbClr val="5B9BD5"/>
+      </a:accent5>
+      <a:accent6>
+        <a:srgbClr val="70AD47"/>
+      </a:accent6>
+      <a:hlink>
+        <a:srgbClr val="0563C1"/>
+      </a:hlink>
+      <a:folHlink>
+        <a:srgbClr val="954F72"/>
+      </a:folHlink>
+    </a:clrScheme>
+    <a:fontScheme name="Office">
+      <a:majorFont>
+        <a:latin typeface="맑은 고딕" panose="020F0302020204030204"/>
+        <a:ea typeface=""/>
+        <a:cs typeface=""/>
+        <a:font script="Jpan" typeface="游ゴシック Light"/>
+        <a:font script="Hang" typeface="맑은 고딕"/>
+        <a:font script="Hans" typeface="等线 Light"/>
+        <a:font script="Hant" typeface="新細明體"/>
+        <a:font script="Arab" typeface="Times New Roman"/>
+        <a:font script="Hebr" typeface="Times New Roman"/>
+        <a:font script="Thai" typeface="Angsana New"/>
+        <a:font script="Ethi" typeface="Nyala"/>
+        <a:font script="Beng" typeface="Vrinda"/>
+        <a:font script="Gujr" typeface="Shruti"/>
+        <a:font script="Khmr" typeface="MoolBoran"/>
+        <a:font script="Knda" typeface="Tunga"/>
+        <a:font script="Guru" typeface="Raavi"/>
+        <a:font script="Cans" typeface="Euphemia"/>
+        <a:font script="Cher" typeface="Plantagenet Cherokee"/>
+        <a:font script="Yiii" typeface="Microsoft Yi Baiti"/>
+        <a:font script="Tibt" typeface="Microsoft Himalaya"/>
+        <a:font script="Thaa" typeface="MV Boli"/>
+        <a:font script="Deva" typeface="Mangal"/>
+        <a:font script="Telu" typeface="Gautami"/>
+        <a:font script="Taml" typeface="Latha"/>
+        <a:font script="Syrc" typeface="Estrangelo Edessa"/>
+        <a:font script="Orya" typeface="Kalinga"/>
+        <a:font script="Mlym" typeface="Kartika"/>
+        <a:font script="Laoo" typeface="DokChampa"/>
+        <a:font script="Sinh" typeface="Iskoola Pota"/>
+        <a:font script="Mong" typeface="Mongolian Baiti"/>
+        <a:font script="Viet" typeface="Times New Roman"/>
+        <a:font script="Uigh" typeface="Microsoft Uighur"/>
+        <a:font script="Geor" typeface="Sylfaen"/>
+        <a:font script="Armn" typeface="Arial"/>
+        <a:font script="Bugi" typeface="Leelawadee UI"/>
+        <a:font script="Bopo" typeface="Microsoft JhengHei"/>
+        <a:font script="Java" typeface="Javanese Text"/>
+        <a:font script="Lisu" typeface="Segoe UI"/>
+        <a:font script="Mymr" typeface="Myanmar Text"/>
+        <a:font script="Nkoo" typeface="Ebrima"/>
+        <a:font script="Olck" typeface="Nirmala UI"/>
+        <a:font script="Osma" typeface="Ebrima"/>
+        <a:font script="Phag" typeface="Phagspa"/>
+        <a:font script="Syrn" typeface="Estrangelo Edessa"/>
+        <a:font script="Syrj" typeface="Estrangelo Edessa"/>
+        <a:font script="Syre" typeface="Estrangelo Edessa"/>
+        <a:font script="Sora" typeface="Nirmala UI"/>
+        <a:font script="Tale" typeface="Microsoft Tai Le"/>
+        <a:font script="Talu" typeface="Microsoft New Tai Lue"/>
+        <a:font script="Tfng" typeface="Ebrima"/>
+      </a:majorFont>
+      <a:minorFont>
+        <a:latin typeface="맑은 고딕" panose="020F0502020204030204"/>
+        <a:ea typeface=""/>
+        <a:cs typeface=""/>
+        <a:font script="Jpan" typeface="游ゴシック"/>
+        <a:font script="Hang" typeface="맑은 고딕"/>
+        <a:font script="Hans" typeface="等线"/>
+        <a:font script="Hant" typeface="新細明體"/>
+        <a:font script="Arab" typeface="Arial"/>
+        <a:font script="Hebr" typeface="Arial"/>
+        <a:font script="Thai" typeface="Cordia New"/>
+        <a:font script="Ethi" typeface="Nyala"/>
+        <a:font script="Beng" typeface="Vrinda"/>
+        <a:font script="Gujr" typeface="Shruti"/>
+        <a:font script="Khmr" typeface="DaunPenh"/>
+        <a:font script="Knda" typeface="Tunga"/>
+        <a:font script="Guru" typeface="Raavi"/>
+        <a:font script="Cans" typeface="Euphemia"/>
+        <a:font script="Cher" typeface="Plantagenet Cherokee"/>
+        <a:font script="Yiii" typeface="Microsoft Yi Baiti"/>
+        <a:font script="Tibt" typeface="Microsoft Himalaya"/>
+        <a:font script="Thaa" typeface="MV Boli"/>
+        <a:font script="Deva" typeface="Mangal"/>
+        <a:font script="Telu" typeface="Gautami"/>
+        <a:font script="Taml" typeface="Latha"/>
+        <a:font script="Syrc" typeface="Estrangelo Edessa"/>
+        <a:font script="Orya" typeface="Kalinga"/>
+        <a:font script="Mlym" typeface="Kartika"/>
+        <a:font script="Laoo" typeface="DokChampa"/>
+        <a:font script="Sinh" typeface="Iskoola Pota"/>
+        <a:font script="Mong" typeface="Mongolian Baiti"/>
+        <a:font script="Viet" typeface="Arial"/>
+        <a:font script="Uigh" typeface="Microsoft Uighur"/>
+        <a:font script="Geor" typeface="Sylfaen"/>
+        <a:font script="Armn" typeface="Arial"/>
+        <a:font script="Bugi" typeface="Leelawadee UI"/>
+        <a:font script="Bopo" typeface="Microsoft JhengHei"/>
+        <a:font script="Java" typeface="Javanese Text"/>
+        <a:font script="Lisu" typeface="Segoe UI"/>
+        <a:font script="Mymr" typeface="Myanmar Text"/>
+        <a:font script="Nkoo" typeface="Ebrima"/>
+        <a:font script="Olck" typeface="Nirmala UI"/>
+        <a:font script="Osma" typeface="Ebrima"/>
+        <a:font script="Phag" typeface="Phagspa"/>
+        <a:font script="Syrn" typeface="Estrangelo Edessa"/>
+        <a:font script="Syrj" typeface="Estrangelo Edessa"/>
+        <a:font script="Syre" typeface="Estrangelo Edessa"/>
+        <a:font script="Sora" typeface="Nirmala UI"/>
+        <a:font script="Tale" typeface="Microsoft Tai Le"/>
+        <a:font script="Talu" typeface="Microsoft New Tai Lue"/>
+        <a:font script="Tfng" typeface="Ebrima"/>
+      </a:minorFont>
+    </a:fontScheme>
+    <a:fmtScheme name="Office">
+      <a:fillStyleLst>
+        <a:solidFill>
+          <a:schemeClr val="phClr"/>
+        </a:solidFill>
+        <a:gradFill rotWithShape="1">
+          <a:gsLst>
+            <a:gs pos="0">
+              <a:schemeClr val="phClr">
+                <a:lumMod val="110000"/>
+                <a:satMod val="105000"/>
+                <a:tint val="67000"/>
+              </a:schemeClr>
+            </a:gs>
+            <a:gs pos="50000">
+              <a:schemeClr val="phClr">
+                <a:lumMod val="105000"/>
+                <a:satMod val="103000"/>
+                <a:tint val="73000"/>
+              </a:schemeClr>
+            </a:gs>
+            <a:gs pos="100000">
+              <a:schemeClr val="phClr">
+                <a:lumMod val="105000"/>
+                <a:satMod val="109000"/>
+                <a:tint val="81000"/>
+              </a:schemeClr>
+            </a:gs>
+          </a:gsLst>
+          <a:lin ang="5400000" scaled="0"/>
+        </a:gradFill>
+        <a:gradFill rotWithShape="1">
+          <a:gsLst>
+            <a:gs pos="0">
+              <a:schemeClr val="phClr">
+                <a:satMod val="103000"/>
+                <a:lumMod val="102000"/>
+                <a:tint val="94000"/>
+              </a:schemeClr>
+            </a:gs>
+            <a:gs pos="50000">
+              <a:schemeClr val="phClr">
+                <a:satMod val="110000"/>
+                <a:lumMod val="100000"/>
+                <a:shade val="100000"/>
+              </a:schemeClr>
+            </a:gs>
+            <a:gs pos="100000">
+              <a:schemeClr val="phClr">
+                <a:lumMod val="99000"/>
+                <a:satMod val="120000"/>
+                <a:shade val="78000"/>
+              </a:schemeClr>
+            </a:gs>
+          </a:gsLst>
+          <a:lin ang="5400000" scaled="0"/>
+        </a:gradFill>
+      </a:fillStyleLst>
+      <a:lnStyleLst>
+        <a:ln w="6350" cap="flat" cmpd="sng" algn="ctr">
+          <a:solidFill>
+            <a:schemeClr val="phClr"/>
+          </a:solidFill>
+          <a:prstDash val="solid"/>
+          <a:miter lim="800000"/>
+        </a:ln>
+        <a:ln w="12700" cap="flat" cmpd="sng" algn="ctr">
+          <a:solidFill>
+            <a:schemeClr val="phClr"/>
+          </a:solidFill>
+          <a:prstDash val="solid"/>
+          <a:miter lim="800000"/>
+        </a:ln>
+        <a:ln w="19050" cap="flat" cmpd="sng" algn="ctr">
+          <a:solidFill>
+            <a:schemeClr val="phClr"/>
+          </a:solidFill>
+          <a:prstDash val="solid"/>
+          <a:miter lim="800000"/>
+        </a:ln>
+      </a:lnStyleLst>
+      <a:effectStyleLst>
+        <a:effectStyle>
+          <a:effectLst/>
+        </a:effectStyle>
+        <a:effectStyle>
+          <a:effectLst/>
+        </a:effectStyle>
+        <a:effectStyle>
+          <a:effectLst>
+            <a:outerShdw blurRad="57150" dist="19050" dir="5400000" algn="ctr" rotWithShape="0">
+              <a:srgbClr val="000000">
+                <a:alpha val="63000"/>
+              </a:srgbClr>
+            </a:outerShdw>
+          </a:effectLst>
+        </a:effectStyle>
+      </a:effectStyleLst>
+      <a:bgFillStyleLst>
+        <a:solidFill>
+          <a:schemeClr val="phClr"/>
+        </a:solidFill>
+        <a:solidFill>
+          <a:schemeClr val="phClr">
+            <a:tint val="95000"/>
+            <a:satMod val="170000"/>
+          </a:schemeClr>
+        </a:solidFill>
+        <a:gradFill rotWithShape="1">
+          <a:gsLst>
+            <a:gs pos="0">
+              <a:schemeClr val="phClr">
+                <a:tint val="93000"/>
+                <a:satMod val="150000"/>
+                <a:shade val="98000"/>
+                <a:lumMod val="102000"/>
+              </a:schemeClr>
+            </a:gs>
+            <a:gs pos="50000">
+              <a:schemeClr val="phClr">
+                <a:tint val="98000"/>
+                <a:satMod val="130000"/>
+                <a:shade val="90000"/>
+                <a:lumMod val="103000"/>
+              </a:schemeClr>
+            </a:gs>
+            <a:gs pos="100000">
+              <a:schemeClr val="phClr">
+                <a:shade val="63000"/>
+                <a:satMod val="120000"/>
+              </a:schemeClr>
+            </a:gs>
+          </a:gsLst>
+          <a:lin ang="5400000" scaled="0"/>
+        </a:gradFill>
+      </a:bgFillStyleLst>
+    </a:fmtScheme>
+  </a:themeElements>
+  <a:objectDefaults/>
+  <a:extraClrSchemeLst/>
+  <a:extLst>
+    <a:ext uri="{05A4C25C-085E-4340-85A3-A5531E510DB2}">
+      <thm15:themeFamily xmlns:thm15="http://schemas.microsoft.com/office/thememl/2012/main" name="Office Theme" id="{62F939B6-93AF-4DB8-9C6B-D6C7DFDC589F}" vid="{4A3C46E8-61CC-4603-A589-7422A47A8E4A}"/>
+    </a:ext>
+  </a:extLst>
+</a:theme>
+</file>
+
+<file path=ppt/theme/theme3.xml><?xml version="1.0" encoding="utf-8"?>
+<a:theme xmlns:a="http://schemas.openxmlformats.org/drawingml/2006/main" name="Office 테마">
+  <a:themeElements>
+    <a:clrScheme name="Office">
+      <a:dk1>
+        <a:sysClr val="windowText" lastClr="000000"/>
+      </a:dk1>
+      <a:lt1>
+        <a:sysClr val="window" lastClr="FFFFFF"/>
+      </a:lt1>
+      <a:dk2>
+        <a:srgbClr val="44546A"/>
+      </a:dk2>
+      <a:lt2>
+        <a:srgbClr val="E7E6E6"/>
+      </a:lt2>
+      <a:accent1>
         <a:srgbClr val="5B9BD5"/>
       </a:accent1>
       <a:accent2>
